--- a/Intro to JavaScript Tooling in VS Code.pptx
+++ b/Intro to JavaScript Tooling in VS Code.pptx
@@ -7258,13 +7258,13 @@
   <p:clrMapOvr>
     <a:masterClrMapping/>
   </p:clrMapOvr>
-  <mc:AlternateContent xmlns:mc="http://schemas.openxmlformats.org/markup-compatibility/2006">
-    <mc:Choice xmlns:p14="http://schemas.microsoft.com/office/powerpoint/2010/main" Requires="p14">
+  <mc:AlternateContent xmlns:mc="http://schemas.openxmlformats.org/markup-compatibility/2006" xmlns:p14="http://schemas.microsoft.com/office/powerpoint/2010/main">
+    <mc:Choice Requires="p14">
       <p:transition p14:dur="250">
         <p:fade/>
       </p:transition>
     </mc:Choice>
-    <mc:Fallback>
+    <mc:Fallback xmlns="">
       <p:transition>
         <p:fade/>
       </p:transition>
@@ -7888,13 +7888,13 @@
   <p:clrMapOvr>
     <a:masterClrMapping/>
   </p:clrMapOvr>
-  <mc:AlternateContent xmlns:mc="http://schemas.openxmlformats.org/markup-compatibility/2006">
-    <mc:Choice xmlns:p14="http://schemas.microsoft.com/office/powerpoint/2010/main" Requires="p14">
+  <mc:AlternateContent xmlns:mc="http://schemas.openxmlformats.org/markup-compatibility/2006" xmlns:p14="http://schemas.microsoft.com/office/powerpoint/2010/main">
+    <mc:Choice Requires="p14">
       <p:transition p14:dur="250">
         <p:fade/>
       </p:transition>
     </mc:Choice>
-    <mc:Fallback>
+    <mc:Fallback xmlns="">
       <p:transition>
         <p:fade/>
       </p:transition>
@@ -8201,13 +8201,7 @@
               <a:rPr lang="en-US" sz="4400" dirty="0" smtClean="0">
                 <a:latin typeface="Lucida Console" panose="020B0609040504020204" pitchFamily="49" charset="0"/>
               </a:rPr>
-              <a:t>let demo =    + </a:t>
-            </a:r>
-            <a:r>
-              <a:rPr lang="en-US" sz="4400" dirty="0" smtClean="0">
-                <a:latin typeface="Lucida Console" panose="020B0609040504020204" pitchFamily="49" charset="0"/>
-              </a:rPr>
-              <a:t>  ;</a:t>
+              <a:t>let demo =    +   ;</a:t>
             </a:r>
             <a:endParaRPr lang="en-US" sz="4400" dirty="0">
               <a:latin typeface="Lucida Console" panose="020B0609040504020204" pitchFamily="49" charset="0"/>
@@ -8260,11 +8254,7 @@
           <a:p>
             <a:r>
               <a:rPr lang="en-US" dirty="0" smtClean="0"/>
-              <a:t>Using </a:t>
-            </a:r>
-            <a:r>
-              <a:rPr lang="en-US" dirty="0" smtClean="0"/>
-              <a:t>VS Code for JavaScript Development</a:t>
+              <a:t>Using VS Code for JavaScript Development</a:t>
             </a:r>
             <a:endParaRPr lang="en-US" dirty="0"/>
           </a:p>
@@ -8332,7 +8322,7 @@
           <p:nvPr/>
         </p:nvPicPr>
         <p:blipFill>
-          <a:blip r:embed="rId3">
+          <a:blip r:embed="rId3" cstate="print">
             <a:extLst>
               <a:ext uri="{28A0092B-C50C-407E-A947-70E740481C1C}">
                 <a14:useLocalDpi xmlns:a14="http://schemas.microsoft.com/office/drawing/2010/main" val="0"/>
@@ -8504,7 +8494,6 @@
               <a:rPr lang="en-US" dirty="0" smtClean="0"/>
               <a:t>Scan QR for slides:</a:t>
             </a:r>
-            <a:endParaRPr lang="en-US" dirty="0" smtClean="0"/>
           </a:p>
         </p:txBody>
       </p:sp>
@@ -8532,25 +8521,7 @@
               <a:rPr lang="en-US" dirty="0" smtClean="0">
                 <a:hlinkClick r:id="rId3"/>
               </a:rPr>
-              <a:t>Official </a:t>
-            </a:r>
-            <a:r>
-              <a:rPr lang="en-US" dirty="0" smtClean="0">
-                <a:hlinkClick r:id="rId3"/>
-              </a:rPr>
-              <a:t>VS Code</a:t>
-            </a:r>
-            <a:r>
-              <a:rPr lang="en-US" dirty="0" smtClean="0">
-                <a:hlinkClick r:id="rId3"/>
-              </a:rPr>
-              <a:t> </a:t>
-            </a:r>
-            <a:r>
-              <a:rPr lang="en-US" dirty="0" smtClean="0">
-                <a:hlinkClick r:id="rId3"/>
-              </a:rPr>
-              <a:t>website</a:t>
+              <a:t>Official VS Code website</a:t>
             </a:r>
             <a:endParaRPr lang="en-US" dirty="0" smtClean="0">
               <a:hlinkClick r:id="rId4"/>
@@ -8566,13 +8537,7 @@
               <a:rPr lang="en-US" dirty="0" smtClean="0">
                 <a:hlinkClick r:id="rId5"/>
               </a:rPr>
-              <a:t>VS Code </a:t>
-            </a:r>
-            <a:r>
-              <a:rPr lang="en-US" dirty="0" smtClean="0">
-                <a:hlinkClick r:id="rId5"/>
-              </a:rPr>
-              <a:t>Docs</a:t>
+              <a:t>VS Code Docs</a:t>
             </a:r>
             <a:endParaRPr lang="en-US" dirty="0" smtClean="0">
               <a:hlinkClick r:id="rId4"/>
@@ -8599,11 +8564,39 @@
             <a:pPr lvl="1"/>
             <a:r>
               <a:rPr lang="en-US" dirty="0"/>
-              <a:t>John Papa, Pluralsight </a:t>
+              <a:t>John Papa, </a:t>
+            </a:r>
+            <a:r>
+              <a:rPr lang="en-US" dirty="0" err="1"/>
+              <a:t>Pluralsight</a:t>
+            </a:r>
+            <a:r>
+              <a:rPr lang="en-US" dirty="0"/>
+              <a:t> </a:t>
             </a:r>
             <a:r>
               <a:rPr lang="en-US" dirty="0" smtClean="0"/>
               <a:t>course</a:t>
+            </a:r>
+          </a:p>
+          <a:p>
+            <a:pPr lvl="1"/>
+            <a:endParaRPr lang="en-US" dirty="0"/>
+          </a:p>
+          <a:p>
+            <a:r>
+              <a:rPr lang="en-US" dirty="0" smtClean="0">
+                <a:hlinkClick r:id="rId7"/>
+              </a:rPr>
+              <a:t>VS Code ES6 Sample Project</a:t>
+            </a:r>
+            <a:endParaRPr lang="en-US" dirty="0" smtClean="0"/>
+          </a:p>
+          <a:p>
+            <a:pPr lvl="1"/>
+            <a:r>
+              <a:rPr lang="en-US" dirty="0" smtClean="0"/>
+              <a:t>GitHub repo</a:t>
             </a:r>
             <a:endParaRPr lang="en-US" dirty="0"/>
           </a:p>

--- a/Intro to JavaScript Tooling in VS Code.pptx
+++ b/Intro to JavaScript Tooling in VS Code.pptx
@@ -5,7 +5,7 @@
     <p:sldMasterId id="2147483718" r:id="rId1"/>
   </p:sldMasterIdLst>
   <p:notesMasterIdLst>
-    <p:notesMasterId r:id="rId29"/>
+    <p:notesMasterId r:id="rId30"/>
   </p:notesMasterIdLst>
   <p:sldIdLst>
     <p:sldId id="256" r:id="rId2"/>
@@ -34,7 +34,8 @@
     <p:sldId id="308" r:id="rId25"/>
     <p:sldId id="309" r:id="rId26"/>
     <p:sldId id="289" r:id="rId27"/>
-    <p:sldId id="275" r:id="rId28"/>
+    <p:sldId id="310" r:id="rId28"/>
+    <p:sldId id="275" r:id="rId29"/>
   </p:sldIdLst>
   <p:sldSz cx="12192000" cy="6858000"/>
   <p:notesSz cx="6858000" cy="9144000"/>
@@ -10836,6 +10837,134 @@
           <a:chExt cx="0" cy="0"/>
         </a:xfrm>
       </p:grpSpPr>
+      <p:sp>
+        <p:nvSpPr>
+          <p:cNvPr id="5" name="Title 4"/>
+          <p:cNvSpPr>
+            <a:spLocks noGrp="1"/>
+          </p:cNvSpPr>
+          <p:nvPr>
+            <p:ph type="title"/>
+          </p:nvPr>
+        </p:nvSpPr>
+        <p:spPr/>
+        <p:txBody>
+          <a:bodyPr/>
+          <a:lstStyle/>
+          <a:p>
+            <a:r>
+              <a:rPr lang="en-US" dirty="0" smtClean="0"/>
+              <a:t>Backlog Items</a:t>
+            </a:r>
+            <a:endParaRPr lang="en-US" dirty="0"/>
+          </a:p>
+        </p:txBody>
+      </p:sp>
+      <p:sp>
+        <p:nvSpPr>
+          <p:cNvPr id="6" name="Content Placeholder 5"/>
+          <p:cNvSpPr>
+            <a:spLocks noGrp="1"/>
+          </p:cNvSpPr>
+          <p:nvPr>
+            <p:ph idx="1"/>
+          </p:nvPr>
+        </p:nvSpPr>
+        <p:spPr/>
+        <p:txBody>
+          <a:bodyPr/>
+          <a:lstStyle/>
+          <a:p>
+            <a:r>
+              <a:rPr lang="en-US" dirty="0" smtClean="0"/>
+              <a:t>Plugins support</a:t>
+            </a:r>
+          </a:p>
+          <a:p>
+            <a:r>
+              <a:rPr lang="en-US" dirty="0" smtClean="0"/>
+              <a:t>Improved JSX support</a:t>
+            </a:r>
+          </a:p>
+          <a:p>
+            <a:r>
+              <a:rPr lang="en-US" dirty="0" smtClean="0"/>
+              <a:t>npm package.json script discoverability</a:t>
+            </a:r>
+          </a:p>
+          <a:p>
+            <a:r>
+              <a:rPr lang="en-US" dirty="0" smtClean="0"/>
+              <a:t>ES7 support</a:t>
+            </a:r>
+          </a:p>
+        </p:txBody>
+      </p:sp>
+      <p:sp>
+        <p:nvSpPr>
+          <p:cNvPr id="4" name="Slide Number Placeholder 3"/>
+          <p:cNvSpPr>
+            <a:spLocks noGrp="1"/>
+          </p:cNvSpPr>
+          <p:nvPr>
+            <p:ph type="sldNum" sz="quarter" idx="12"/>
+          </p:nvPr>
+        </p:nvSpPr>
+        <p:spPr/>
+        <p:txBody>
+          <a:bodyPr/>
+          <a:lstStyle/>
+          <a:p>
+            <a:fld id="{CA6404EB-EC22-4A9F-B979-51DB938C35B6}" type="slidenum">
+              <a:rPr lang="en-US" smtClean="0"/>
+              <a:t>27</a:t>
+            </a:fld>
+            <a:endParaRPr lang="en-US" dirty="0"/>
+          </a:p>
+        </p:txBody>
+      </p:sp>
+    </p:spTree>
+    <p:extLst>
+      <p:ext uri="{BB962C8B-B14F-4D97-AF65-F5344CB8AC3E}">
+        <p14:creationId xmlns:p14="http://schemas.microsoft.com/office/powerpoint/2010/main" val="1074849863"/>
+      </p:ext>
+    </p:extLst>
+  </p:cSld>
+  <p:clrMapOvr>
+    <a:masterClrMapping/>
+  </p:clrMapOvr>
+  <mc:AlternateContent xmlns:mc="http://schemas.openxmlformats.org/markup-compatibility/2006" xmlns:p14="http://schemas.microsoft.com/office/powerpoint/2010/main">
+    <mc:Choice Requires="p14">
+      <p:transition p14:dur="250">
+        <p:fade/>
+      </p:transition>
+    </mc:Choice>
+    <mc:Fallback xmlns="">
+      <p:transition>
+        <p:fade/>
+      </p:transition>
+    </mc:Fallback>
+  </mc:AlternateContent>
+</p:sld>
+</file>
+
+<file path=ppt/slides/slide28.xml><?xml version="1.0" encoding="utf-8"?>
+<p:sld xmlns:a="http://schemas.openxmlformats.org/drawingml/2006/main" xmlns:r="http://schemas.openxmlformats.org/officeDocument/2006/relationships" xmlns:p="http://schemas.openxmlformats.org/presentationml/2006/main">
+  <p:cSld>
+    <p:spTree>
+      <p:nvGrpSpPr>
+        <p:cNvPr id="1" name=""/>
+        <p:cNvGrpSpPr/>
+        <p:nvPr/>
+      </p:nvGrpSpPr>
+      <p:grpSpPr>
+        <a:xfrm>
+          <a:off x="0" y="0"/>
+          <a:ext cx="0" cy="0"/>
+          <a:chOff x="0" y="0"/>
+          <a:chExt cx="0" cy="0"/>
+        </a:xfrm>
+      </p:grpSpPr>
       <p:pic>
         <p:nvPicPr>
           <p:cNvPr id="7" name="Picture 6"/>
@@ -11025,7 +11154,7 @@
           <a:p>
             <a:fld id="{CA6404EB-EC22-4A9F-B979-51DB938C35B6}" type="slidenum">
               <a:rPr lang="en-US" smtClean="0"/>
-              <a:t>27</a:t>
+              <a:t>28</a:t>
             </a:fld>
             <a:endParaRPr lang="en-US" dirty="0"/>
           </a:p>
@@ -11943,10 +12072,10 @@
         </p:nvGrpSpPr>
         <p:grpSpPr>
           <a:xfrm rot="20400896">
-            <a:off x="886426" y="5824309"/>
-            <a:ext cx="3195638" cy="371476"/>
-            <a:chOff x="7243762" y="1381185"/>
-            <a:chExt cx="3195638" cy="371476"/>
+            <a:off x="887869" y="5783467"/>
+            <a:ext cx="2732518" cy="444611"/>
+            <a:chOff x="7243762" y="1308050"/>
+            <a:chExt cx="2732518" cy="444611"/>
           </a:xfrm>
         </p:grpSpPr>
         <p:sp>
@@ -12001,8 +12130,8 @@
             <p:nvPr/>
           </p:nvSpPr>
           <p:spPr>
-            <a:xfrm>
-              <a:off x="8172449" y="1381185"/>
+            <a:xfrm rot="1199104">
+              <a:off x="7709329" y="1308050"/>
               <a:ext cx="2266951" cy="369332"/>
             </a:xfrm>
             <a:prstGeom prst="rect">
@@ -12023,6 +12152,104 @@
                   </a:solidFill>
                 </a:rPr>
                 <a:t>Git Repo Branch</a:t>
+              </a:r>
+              <a:endParaRPr lang="en-US" dirty="0">
+                <a:solidFill>
+                  <a:schemeClr val="bg1"/>
+                </a:solidFill>
+              </a:endParaRPr>
+            </a:p>
+          </p:txBody>
+        </p:sp>
+      </p:grpSp>
+      <p:grpSp>
+        <p:nvGrpSpPr>
+          <p:cNvPr id="5" name="Group 4"/>
+          <p:cNvGrpSpPr/>
+          <p:nvPr/>
+        </p:nvGrpSpPr>
+        <p:grpSpPr>
+          <a:xfrm>
+            <a:off x="8486279" y="5591664"/>
+            <a:ext cx="2266951" cy="893091"/>
+            <a:chOff x="8486279" y="5591664"/>
+            <a:chExt cx="2266951" cy="893091"/>
+          </a:xfrm>
+        </p:grpSpPr>
+        <p:sp>
+          <p:nvSpPr>
+            <p:cNvPr id="26" name="Down Arrow 25"/>
+            <p:cNvSpPr/>
+            <p:nvPr/>
+          </p:nvSpPr>
+          <p:spPr>
+            <a:xfrm rot="18366196">
+              <a:off x="10057348" y="5834674"/>
+              <a:ext cx="371475" cy="928687"/>
+            </a:xfrm>
+            <a:prstGeom prst="downArrow">
+              <a:avLst/>
+            </a:prstGeom>
+            <a:ln>
+              <a:solidFill>
+                <a:schemeClr val="bg1"/>
+              </a:solidFill>
+            </a:ln>
+          </p:spPr>
+          <p:style>
+            <a:lnRef idx="2">
+              <a:schemeClr val="accent1">
+                <a:shade val="50000"/>
+              </a:schemeClr>
+            </a:lnRef>
+            <a:fillRef idx="1">
+              <a:schemeClr val="accent1"/>
+            </a:fillRef>
+            <a:effectRef idx="0">
+              <a:schemeClr val="accent1"/>
+            </a:effectRef>
+            <a:fontRef idx="minor">
+              <a:schemeClr val="lt1"/>
+            </a:fontRef>
+          </p:style>
+          <p:txBody>
+            <a:bodyPr rtlCol="0" anchor="ctr"/>
+            <a:lstStyle/>
+            <a:p>
+              <a:pPr algn="ctr"/>
+              <a:endParaRPr lang="en-US" dirty="0"/>
+            </a:p>
+          </p:txBody>
+        </p:sp>
+        <p:sp>
+          <p:nvSpPr>
+            <p:cNvPr id="27" name="TextBox 26"/>
+            <p:cNvSpPr txBox="1"/>
+            <p:nvPr/>
+          </p:nvSpPr>
+          <p:spPr>
+            <a:xfrm>
+              <a:off x="8486279" y="5591664"/>
+              <a:ext cx="2266951" cy="369332"/>
+            </a:xfrm>
+            <a:prstGeom prst="rect">
+              <a:avLst/>
+            </a:prstGeom>
+            <a:noFill/>
+          </p:spPr>
+          <p:txBody>
+            <a:bodyPr wrap="square" rtlCol="0">
+              <a:spAutoFit/>
+            </a:bodyPr>
+            <a:lstStyle/>
+            <a:p>
+              <a:r>
+                <a:rPr lang="en-US" dirty="0" smtClean="0">
+                  <a:solidFill>
+                    <a:schemeClr val="bg1"/>
+                  </a:solidFill>
+                </a:rPr>
+                <a:t>Send Feedback</a:t>
               </a:r>
               <a:endParaRPr lang="en-US" dirty="0">
                 <a:solidFill>

--- a/Intro to JavaScript Tooling in VS Code.pptx
+++ b/Intro to JavaScript Tooling in VS Code.pptx
@@ -5,37 +5,39 @@
     <p:sldMasterId id="2147483718" r:id="rId1"/>
   </p:sldMasterIdLst>
   <p:notesMasterIdLst>
-    <p:notesMasterId r:id="rId30"/>
+    <p:notesMasterId r:id="rId32"/>
   </p:notesMasterIdLst>
   <p:sldIdLst>
     <p:sldId id="256" r:id="rId2"/>
     <p:sldId id="258" r:id="rId3"/>
-    <p:sldId id="285" r:id="rId4"/>
-    <p:sldId id="286" r:id="rId5"/>
-    <p:sldId id="290" r:id="rId6"/>
-    <p:sldId id="291" r:id="rId7"/>
-    <p:sldId id="296" r:id="rId8"/>
-    <p:sldId id="297" r:id="rId9"/>
-    <p:sldId id="298" r:id="rId10"/>
-    <p:sldId id="287" r:id="rId11"/>
-    <p:sldId id="293" r:id="rId12"/>
-    <p:sldId id="279" r:id="rId13"/>
-    <p:sldId id="300" r:id="rId14"/>
-    <p:sldId id="301" r:id="rId15"/>
-    <p:sldId id="303" r:id="rId16"/>
-    <p:sldId id="302" r:id="rId17"/>
-    <p:sldId id="292" r:id="rId18"/>
-    <p:sldId id="295" r:id="rId19"/>
-    <p:sldId id="299" r:id="rId20"/>
-    <p:sldId id="304" r:id="rId21"/>
-    <p:sldId id="305" r:id="rId22"/>
-    <p:sldId id="306" r:id="rId23"/>
-    <p:sldId id="307" r:id="rId24"/>
-    <p:sldId id="308" r:id="rId25"/>
-    <p:sldId id="309" r:id="rId26"/>
-    <p:sldId id="289" r:id="rId27"/>
-    <p:sldId id="310" r:id="rId28"/>
-    <p:sldId id="275" r:id="rId29"/>
+    <p:sldId id="312" r:id="rId4"/>
+    <p:sldId id="285" r:id="rId5"/>
+    <p:sldId id="311" r:id="rId6"/>
+    <p:sldId id="286" r:id="rId7"/>
+    <p:sldId id="290" r:id="rId8"/>
+    <p:sldId id="291" r:id="rId9"/>
+    <p:sldId id="296" r:id="rId10"/>
+    <p:sldId id="297" r:id="rId11"/>
+    <p:sldId id="298" r:id="rId12"/>
+    <p:sldId id="287" r:id="rId13"/>
+    <p:sldId id="293" r:id="rId14"/>
+    <p:sldId id="279" r:id="rId15"/>
+    <p:sldId id="300" r:id="rId16"/>
+    <p:sldId id="301" r:id="rId17"/>
+    <p:sldId id="303" r:id="rId18"/>
+    <p:sldId id="302" r:id="rId19"/>
+    <p:sldId id="292" r:id="rId20"/>
+    <p:sldId id="295" r:id="rId21"/>
+    <p:sldId id="299" r:id="rId22"/>
+    <p:sldId id="304" r:id="rId23"/>
+    <p:sldId id="305" r:id="rId24"/>
+    <p:sldId id="306" r:id="rId25"/>
+    <p:sldId id="307" r:id="rId26"/>
+    <p:sldId id="308" r:id="rId27"/>
+    <p:sldId id="309" r:id="rId28"/>
+    <p:sldId id="289" r:id="rId29"/>
+    <p:sldId id="310" r:id="rId30"/>
+    <p:sldId id="275" r:id="rId31"/>
   </p:sldIdLst>
   <p:sldSz cx="12192000" cy="6858000"/>
   <p:notesSz cx="6858000" cy="9144000"/>
@@ -6669,6 +6671,306 @@
           <a:p>
             <a:r>
               <a:rPr lang="en-US" dirty="0" smtClean="0"/>
+              <a:t>3. settings.json</a:t>
+            </a:r>
+            <a:endParaRPr lang="en-US" dirty="0"/>
+          </a:p>
+        </p:txBody>
+      </p:sp>
+      <mc:AlternateContent xmlns:mc="http://schemas.openxmlformats.org/markup-compatibility/2006">
+        <mc:Choice xmlns:we="http://schemas.microsoft.com/office/webextensions/webextension/2010/11" xmlns:pca="http://schemas.microsoft.com/office/powerpoint/2013/contentapp" Requires="we pca">
+          <p:graphicFrame>
+            <p:nvGraphicFramePr>
+              <p:cNvPr id="5" name="Content Placeholder 4" title="Code Presenter Pro"/>
+              <p:cNvGraphicFramePr>
+                <a:graphicFrameLocks noGrp="1"/>
+              </p:cNvGraphicFramePr>
+              <p:nvPr>
+                <p:ph idx="1"/>
+                <p:extLst>
+                  <p:ext uri="{D42A27DB-BD31-4B8C-83A1-F6EECF244321}">
+                    <p14:modId xmlns:p14="http://schemas.microsoft.com/office/powerpoint/2010/main" val="1903690342"/>
+                  </p:ext>
+                </p:extLst>
+              </p:nvPr>
+            </p:nvGraphicFramePr>
+            <p:xfrm>
+              <a:off x="677863" y="2160588"/>
+              <a:ext cx="8596312" cy="3881437"/>
+            </p:xfrm>
+            <a:graphic>
+              <a:graphicData uri="http://schemas.microsoft.com/office/webextensions/webextension/2010/11">
+                <we:webextensionref xmlns:we="http://schemas.microsoft.com/office/webextensions/webextension/2010/11" xmlns:r="http://schemas.openxmlformats.org/officeDocument/2006/relationships" r:id="rId2"/>
+              </a:graphicData>
+            </a:graphic>
+          </p:graphicFrame>
+        </mc:Choice>
+        <mc:Fallback>
+          <p:pic>
+            <p:nvPicPr>
+              <p:cNvPr id="5" name="Content Placeholder 4" title="Code Presenter Pro"/>
+              <p:cNvPicPr>
+                <a:picLocks noGrp="1" noRot="1" noChangeAspect="1" noMove="1" noResize="1" noEditPoints="1" noAdjustHandles="1" noChangeArrowheads="1" noChangeShapeType="1"/>
+              </p:cNvPicPr>
+              <p:nvPr/>
+            </p:nvPicPr>
+            <p:blipFill>
+              <a:blip r:embed="rId3"/>
+              <a:stretch>
+                <a:fillRect/>
+              </a:stretch>
+            </p:blipFill>
+            <p:spPr>
+              <a:xfrm>
+                <a:off x="677863" y="2160588"/>
+                <a:ext cx="8596312" cy="3881437"/>
+              </a:xfrm>
+              <a:prstGeom prst="rect">
+                <a:avLst/>
+              </a:prstGeom>
+            </p:spPr>
+          </p:pic>
+        </mc:Fallback>
+      </mc:AlternateContent>
+      <p:sp>
+        <p:nvSpPr>
+          <p:cNvPr id="4" name="Slide Number Placeholder 3"/>
+          <p:cNvSpPr>
+            <a:spLocks noGrp="1"/>
+          </p:cNvSpPr>
+          <p:nvPr>
+            <p:ph type="sldNum" sz="quarter" idx="12"/>
+          </p:nvPr>
+        </p:nvSpPr>
+        <p:spPr/>
+        <p:txBody>
+          <a:bodyPr/>
+          <a:lstStyle/>
+          <a:p>
+            <a:fld id="{CA6404EB-EC22-4A9F-B979-51DB938C35B6}" type="slidenum">
+              <a:rPr lang="en-US" smtClean="0"/>
+              <a:t>10</a:t>
+            </a:fld>
+            <a:endParaRPr lang="en-US" dirty="0"/>
+          </a:p>
+        </p:txBody>
+      </p:sp>
+    </p:spTree>
+    <p:extLst>
+      <p:ext uri="{BB962C8B-B14F-4D97-AF65-F5344CB8AC3E}">
+        <p14:creationId xmlns:p14="http://schemas.microsoft.com/office/powerpoint/2010/main" val="1103836665"/>
+      </p:ext>
+    </p:extLst>
+  </p:cSld>
+  <p:clrMapOvr>
+    <a:masterClrMapping/>
+  </p:clrMapOvr>
+  <mc:AlternateContent xmlns:mc="http://schemas.openxmlformats.org/markup-compatibility/2006" xmlns:p14="http://schemas.microsoft.com/office/powerpoint/2010/main">
+    <mc:Choice Requires="p14">
+      <p:transition p14:dur="250">
+        <p:fade/>
+      </p:transition>
+    </mc:Choice>
+    <mc:Fallback xmlns="">
+      <p:transition>
+        <p:fade/>
+      </p:transition>
+    </mc:Fallback>
+  </mc:AlternateContent>
+  <p:timing>
+    <p:tnLst>
+      <p:par>
+        <p:cTn id="1" dur="indefinite" restart="never" nodeType="tmRoot"/>
+      </p:par>
+    </p:tnLst>
+  </p:timing>
+</p:sld>
+</file>
+
+<file path=ppt/slides/slide11.xml><?xml version="1.0" encoding="utf-8"?>
+<p:sld xmlns:a="http://schemas.openxmlformats.org/drawingml/2006/main" xmlns:r="http://schemas.openxmlformats.org/officeDocument/2006/relationships" xmlns:p="http://schemas.openxmlformats.org/presentationml/2006/main">
+  <p:cSld>
+    <p:spTree>
+      <p:nvGrpSpPr>
+        <p:cNvPr id="1" name=""/>
+        <p:cNvGrpSpPr/>
+        <p:nvPr/>
+      </p:nvGrpSpPr>
+      <p:grpSpPr>
+        <a:xfrm>
+          <a:off x="0" y="0"/>
+          <a:ext cx="0" cy="0"/>
+          <a:chOff x="0" y="0"/>
+          <a:chExt cx="0" cy="0"/>
+        </a:xfrm>
+      </p:grpSpPr>
+      <p:sp>
+        <p:nvSpPr>
+          <p:cNvPr id="2" name="Title 1"/>
+          <p:cNvSpPr>
+            <a:spLocks noGrp="1"/>
+          </p:cNvSpPr>
+          <p:nvPr>
+            <p:ph type="title"/>
+          </p:nvPr>
+        </p:nvSpPr>
+        <p:spPr/>
+        <p:txBody>
+          <a:bodyPr/>
+          <a:lstStyle/>
+          <a:p>
+            <a:r>
+              <a:rPr lang="en-US" dirty="0" smtClean="0"/>
+              <a:t>4. tasks.json</a:t>
+            </a:r>
+            <a:endParaRPr lang="en-US" dirty="0"/>
+          </a:p>
+        </p:txBody>
+      </p:sp>
+      <mc:AlternateContent xmlns:mc="http://schemas.openxmlformats.org/markup-compatibility/2006">
+        <mc:Choice xmlns:we="http://schemas.microsoft.com/office/webextensions/webextension/2010/11" xmlns:pca="http://schemas.microsoft.com/office/powerpoint/2013/contentapp" Requires="we pca">
+          <p:graphicFrame>
+            <p:nvGraphicFramePr>
+              <p:cNvPr id="5" name="Content Placeholder 4" title="Code Presenter Pro"/>
+              <p:cNvGraphicFramePr>
+                <a:graphicFrameLocks noGrp="1"/>
+              </p:cNvGraphicFramePr>
+              <p:nvPr>
+                <p:ph idx="1"/>
+                <p:extLst>
+                  <p:ext uri="{D42A27DB-BD31-4B8C-83A1-F6EECF244321}">
+                    <p14:modId xmlns:p14="http://schemas.microsoft.com/office/powerpoint/2010/main" val="4017236781"/>
+                  </p:ext>
+                </p:extLst>
+              </p:nvPr>
+            </p:nvGraphicFramePr>
+            <p:xfrm>
+              <a:off x="677863" y="2160588"/>
+              <a:ext cx="8596312" cy="3881437"/>
+            </p:xfrm>
+            <a:graphic>
+              <a:graphicData uri="http://schemas.microsoft.com/office/webextensions/webextension/2010/11">
+                <we:webextensionref xmlns:we="http://schemas.microsoft.com/office/webextensions/webextension/2010/11" xmlns:r="http://schemas.openxmlformats.org/officeDocument/2006/relationships" r:id="rId2"/>
+              </a:graphicData>
+            </a:graphic>
+          </p:graphicFrame>
+        </mc:Choice>
+        <mc:Fallback>
+          <p:pic>
+            <p:nvPicPr>
+              <p:cNvPr id="5" name="Content Placeholder 4" title="Code Presenter Pro"/>
+              <p:cNvPicPr>
+                <a:picLocks noGrp="1" noRot="1" noChangeAspect="1" noMove="1" noResize="1" noEditPoints="1" noAdjustHandles="1" noChangeArrowheads="1" noChangeShapeType="1"/>
+              </p:cNvPicPr>
+              <p:nvPr/>
+            </p:nvPicPr>
+            <p:blipFill>
+              <a:blip r:embed="rId3"/>
+              <a:stretch>
+                <a:fillRect/>
+              </a:stretch>
+            </p:blipFill>
+            <p:spPr>
+              <a:xfrm>
+                <a:off x="677863" y="2160588"/>
+                <a:ext cx="8596312" cy="3881437"/>
+              </a:xfrm>
+              <a:prstGeom prst="rect">
+                <a:avLst/>
+              </a:prstGeom>
+            </p:spPr>
+          </p:pic>
+        </mc:Fallback>
+      </mc:AlternateContent>
+      <p:sp>
+        <p:nvSpPr>
+          <p:cNvPr id="4" name="Slide Number Placeholder 3"/>
+          <p:cNvSpPr>
+            <a:spLocks noGrp="1"/>
+          </p:cNvSpPr>
+          <p:nvPr>
+            <p:ph type="sldNum" sz="quarter" idx="12"/>
+          </p:nvPr>
+        </p:nvSpPr>
+        <p:spPr/>
+        <p:txBody>
+          <a:bodyPr/>
+          <a:lstStyle/>
+          <a:p>
+            <a:fld id="{CA6404EB-EC22-4A9F-B979-51DB938C35B6}" type="slidenum">
+              <a:rPr lang="en-US" smtClean="0"/>
+              <a:t>11</a:t>
+            </a:fld>
+            <a:endParaRPr lang="en-US" dirty="0"/>
+          </a:p>
+        </p:txBody>
+      </p:sp>
+    </p:spTree>
+    <p:extLst>
+      <p:ext uri="{BB962C8B-B14F-4D97-AF65-F5344CB8AC3E}">
+        <p14:creationId xmlns:p14="http://schemas.microsoft.com/office/powerpoint/2010/main" val="2534094526"/>
+      </p:ext>
+    </p:extLst>
+  </p:cSld>
+  <p:clrMapOvr>
+    <a:masterClrMapping/>
+  </p:clrMapOvr>
+  <mc:AlternateContent xmlns:mc="http://schemas.openxmlformats.org/markup-compatibility/2006" xmlns:p14="http://schemas.microsoft.com/office/powerpoint/2010/main">
+    <mc:Choice Requires="p14">
+      <p:transition p14:dur="250">
+        <p:fade/>
+      </p:transition>
+    </mc:Choice>
+    <mc:Fallback xmlns="">
+      <p:transition>
+        <p:fade/>
+      </p:transition>
+    </mc:Fallback>
+  </mc:AlternateContent>
+  <p:timing>
+    <p:tnLst>
+      <p:par>
+        <p:cTn id="1" dur="indefinite" restart="never" nodeType="tmRoot"/>
+      </p:par>
+    </p:tnLst>
+  </p:timing>
+</p:sld>
+</file>
+
+<file path=ppt/slides/slide12.xml><?xml version="1.0" encoding="utf-8"?>
+<p:sld xmlns:a="http://schemas.openxmlformats.org/drawingml/2006/main" xmlns:r="http://schemas.openxmlformats.org/officeDocument/2006/relationships" xmlns:p="http://schemas.openxmlformats.org/presentationml/2006/main">
+  <p:cSld>
+    <p:spTree>
+      <p:nvGrpSpPr>
+        <p:cNvPr id="1" name=""/>
+        <p:cNvGrpSpPr/>
+        <p:nvPr/>
+      </p:nvGrpSpPr>
+      <p:grpSpPr>
+        <a:xfrm>
+          <a:off x="0" y="0"/>
+          <a:ext cx="0" cy="0"/>
+          <a:chOff x="0" y="0"/>
+          <a:chExt cx="0" cy="0"/>
+        </a:xfrm>
+      </p:grpSpPr>
+      <p:sp>
+        <p:nvSpPr>
+          <p:cNvPr id="2" name="Title 1"/>
+          <p:cNvSpPr>
+            <a:spLocks noGrp="1"/>
+          </p:cNvSpPr>
+          <p:nvPr>
+            <p:ph type="title"/>
+          </p:nvPr>
+        </p:nvSpPr>
+        <p:spPr/>
+        <p:txBody>
+          <a:bodyPr/>
+          <a:lstStyle/>
+          <a:p>
+            <a:r>
+              <a:rPr lang="en-US" dirty="0" smtClean="0"/>
               <a:t>JSON Schema Support</a:t>
             </a:r>
             <a:br>
@@ -6799,7 +7101,7 @@
           <a:p>
             <a:fld id="{CA6404EB-EC22-4A9F-B979-51DB938C35B6}" type="slidenum">
               <a:rPr lang="en-US" smtClean="0"/>
-              <a:t>10</a:t>
+              <a:t>12</a:t>
             </a:fld>
             <a:endParaRPr lang="en-US" dirty="0"/>
           </a:p>
@@ -7079,7 +7381,7 @@
 </p:sld>
 </file>
 
-<file path=ppt/slides/slide11.xml><?xml version="1.0" encoding="utf-8"?>
+<file path=ppt/slides/slide13.xml><?xml version="1.0" encoding="utf-8"?>
 <p:sld xmlns:a="http://schemas.openxmlformats.org/drawingml/2006/main" xmlns:r="http://schemas.openxmlformats.org/officeDocument/2006/relationships" xmlns:p="http://schemas.openxmlformats.org/presentationml/2006/main">
   <p:cSld>
     <p:spTree>
@@ -7162,7 +7464,7 @@
           <a:p>
             <a:fld id="{CA6404EB-EC22-4A9F-B979-51DB938C35B6}" type="slidenum">
               <a:rPr lang="en-US" smtClean="0"/>
-              <a:t>11</a:t>
+              <a:t>13</a:t>
             </a:fld>
             <a:endParaRPr lang="en-US" dirty="0"/>
           </a:p>
@@ -7254,7 +7556,7 @@
 </p:sld>
 </file>
 
-<file path=ppt/slides/slide12.xml><?xml version="1.0" encoding="utf-8"?>
+<file path=ppt/slides/slide14.xml><?xml version="1.0" encoding="utf-8"?>
 <p:sld xmlns:a="http://schemas.openxmlformats.org/drawingml/2006/main" xmlns:r="http://schemas.openxmlformats.org/officeDocument/2006/relationships" xmlns:p="http://schemas.openxmlformats.org/presentationml/2006/main">
   <p:cSld>
     <p:spTree>
@@ -7373,7 +7675,7 @@
           <a:p>
             <a:fld id="{CA6404EB-EC22-4A9F-B979-51DB938C35B6}" type="slidenum">
               <a:rPr lang="en-US" smtClean="0"/>
-              <a:t>12</a:t>
+              <a:t>14</a:t>
             </a:fld>
             <a:endParaRPr lang="en-US" dirty="0"/>
           </a:p>
@@ -7501,7 +7803,7 @@
 </p:sld>
 </file>
 
-<file path=ppt/slides/slide13.xml><?xml version="1.0" encoding="utf-8"?>
+<file path=ppt/slides/slide15.xml><?xml version="1.0" encoding="utf-8"?>
 <p:sld xmlns:a="http://schemas.openxmlformats.org/drawingml/2006/main" xmlns:r="http://schemas.openxmlformats.org/officeDocument/2006/relationships" xmlns:p="http://schemas.openxmlformats.org/presentationml/2006/main">
   <p:cSld>
     <p:spTree>
@@ -7685,7 +7987,7 @@
           <a:p>
             <a:fld id="{CA6404EB-EC22-4A9F-B979-51DB938C35B6}" type="slidenum">
               <a:rPr lang="en-US" smtClean="0"/>
-              <a:t>13</a:t>
+              <a:t>15</a:t>
             </a:fld>
             <a:endParaRPr lang="en-US" dirty="0"/>
           </a:p>
@@ -7753,7 +8055,7 @@
 </p:sld>
 </file>
 
-<file path=ppt/slides/slide14.xml><?xml version="1.0" encoding="utf-8"?>
+<file path=ppt/slides/slide16.xml><?xml version="1.0" encoding="utf-8"?>
 <p:sld xmlns:a="http://schemas.openxmlformats.org/drawingml/2006/main" xmlns:r="http://schemas.openxmlformats.org/officeDocument/2006/relationships" xmlns:p="http://schemas.openxmlformats.org/presentationml/2006/main">
   <p:cSld>
     <p:spTree>
@@ -7844,7 +8146,7 @@
           <a:p>
             <a:fld id="{CA6404EB-EC22-4A9F-B979-51DB938C35B6}" type="slidenum">
               <a:rPr lang="en-US" smtClean="0"/>
-              <a:t>14</a:t>
+              <a:t>16</a:t>
             </a:fld>
             <a:endParaRPr lang="en-US" dirty="0"/>
           </a:p>
@@ -7906,7 +8208,7 @@
 </p:sld>
 </file>
 
-<file path=ppt/slides/slide15.xml><?xml version="1.0" encoding="utf-8"?>
+<file path=ppt/slides/slide17.xml><?xml version="1.0" encoding="utf-8"?>
 <p:sld xmlns:a="http://schemas.openxmlformats.org/drawingml/2006/main" xmlns:r="http://schemas.openxmlformats.org/officeDocument/2006/relationships" xmlns:p="http://schemas.openxmlformats.org/presentationml/2006/main">
   <p:cSld>
     <p:spTree>
@@ -7997,7 +8299,7 @@
           <a:p>
             <a:fld id="{CA6404EB-EC22-4A9F-B979-51DB938C35B6}" type="slidenum">
               <a:rPr lang="en-US" smtClean="0"/>
-              <a:t>15</a:t>
+              <a:t>17</a:t>
             </a:fld>
             <a:endParaRPr lang="en-US" dirty="0"/>
           </a:p>
@@ -8059,7 +8361,7 @@
 </p:sld>
 </file>
 
-<file path=ppt/slides/slide16.xml><?xml version="1.0" encoding="utf-8"?>
+<file path=ppt/slides/slide18.xml><?xml version="1.0" encoding="utf-8"?>
 <p:sld xmlns:a="http://schemas.openxmlformats.org/drawingml/2006/main" xmlns:r="http://schemas.openxmlformats.org/officeDocument/2006/relationships" xmlns:p="http://schemas.openxmlformats.org/presentationml/2006/main">
   <p:cSld>
     <p:spTree>
@@ -8138,7 +8440,7 @@
           <a:p>
             <a:fld id="{CA6404EB-EC22-4A9F-B979-51DB938C35B6}" type="slidenum">
               <a:rPr lang="en-US" smtClean="0"/>
-              <a:t>16</a:t>
+              <a:t>18</a:t>
             </a:fld>
             <a:endParaRPr lang="en-US" dirty="0"/>
           </a:p>
@@ -8200,7 +8502,7 @@
 </p:sld>
 </file>
 
-<file path=ppt/slides/slide17.xml><?xml version="1.0" encoding="utf-8"?>
+<file path=ppt/slides/slide19.xml><?xml version="1.0" encoding="utf-8"?>
 <p:sld xmlns:a="http://schemas.openxmlformats.org/drawingml/2006/main" xmlns:r="http://schemas.openxmlformats.org/officeDocument/2006/relationships" xmlns:p="http://schemas.openxmlformats.org/presentationml/2006/main">
   <p:cSld>
     <p:spTree>
@@ -8319,7 +8621,7 @@
           <a:p>
             <a:fld id="{CA6404EB-EC22-4A9F-B979-51DB938C35B6}" type="slidenum">
               <a:rPr lang="en-US" smtClean="0"/>
-              <a:t>17</a:t>
+              <a:t>19</a:t>
             </a:fld>
             <a:endParaRPr lang="en-US" dirty="0"/>
           </a:p>
@@ -8419,523 +8721,6 @@
     <p:extLst>
       <p:ext uri="{BB962C8B-B14F-4D97-AF65-F5344CB8AC3E}">
         <p14:creationId xmlns:p14="http://schemas.microsoft.com/office/powerpoint/2010/main" val="2690530629"/>
-      </p:ext>
-    </p:extLst>
-  </p:cSld>
-  <p:clrMapOvr>
-    <a:masterClrMapping/>
-  </p:clrMapOvr>
-  <mc:AlternateContent xmlns:mc="http://schemas.openxmlformats.org/markup-compatibility/2006" xmlns:p14="http://schemas.microsoft.com/office/powerpoint/2010/main">
-    <mc:Choice Requires="p14">
-      <p:transition p14:dur="250">
-        <p:fade/>
-      </p:transition>
-    </mc:Choice>
-    <mc:Fallback xmlns="">
-      <p:transition>
-        <p:fade/>
-      </p:transition>
-    </mc:Fallback>
-  </mc:AlternateContent>
-  <p:timing>
-    <p:tnLst>
-      <p:par>
-        <p:cTn id="1" dur="indefinite" restart="never" nodeType="tmRoot"/>
-      </p:par>
-    </p:tnLst>
-  </p:timing>
-</p:sld>
-</file>
-
-<file path=ppt/slides/slide18.xml><?xml version="1.0" encoding="utf-8"?>
-<p:sld xmlns:a="http://schemas.openxmlformats.org/drawingml/2006/main" xmlns:r="http://schemas.openxmlformats.org/officeDocument/2006/relationships" xmlns:p="http://schemas.openxmlformats.org/presentationml/2006/main">
-  <p:cSld>
-    <p:spTree>
-      <p:nvGrpSpPr>
-        <p:cNvPr id="1" name=""/>
-        <p:cNvGrpSpPr/>
-        <p:nvPr/>
-      </p:nvGrpSpPr>
-      <p:grpSpPr>
-        <a:xfrm>
-          <a:off x="0" y="0"/>
-          <a:ext cx="0" cy="0"/>
-          <a:chOff x="0" y="0"/>
-          <a:chExt cx="0" cy="0"/>
-        </a:xfrm>
-      </p:grpSpPr>
-      <p:sp>
-        <p:nvSpPr>
-          <p:cNvPr id="8" name="Title 7"/>
-          <p:cNvSpPr>
-            <a:spLocks noGrp="1"/>
-          </p:cNvSpPr>
-          <p:nvPr>
-            <p:ph type="title"/>
-          </p:nvPr>
-        </p:nvSpPr>
-        <p:spPr/>
-        <p:txBody>
-          <a:bodyPr/>
-          <a:lstStyle/>
-          <a:p>
-            <a:r>
-              <a:rPr lang="en-US" dirty="0" smtClean="0"/>
-              <a:t>JS Task Runners</a:t>
-            </a:r>
-            <a:endParaRPr lang="en-US" dirty="0"/>
-          </a:p>
-        </p:txBody>
-      </p:sp>
-      <p:sp>
-        <p:nvSpPr>
-          <p:cNvPr id="9" name="Content Placeholder 8"/>
-          <p:cNvSpPr>
-            <a:spLocks noGrp="1"/>
-          </p:cNvSpPr>
-          <p:nvPr>
-            <p:ph idx="1"/>
-          </p:nvPr>
-        </p:nvSpPr>
-        <p:spPr/>
-        <p:txBody>
-          <a:bodyPr>
-            <a:normAutofit fontScale="92500" lnSpcReduction="10000"/>
-          </a:bodyPr>
-          <a:lstStyle/>
-          <a:p>
-            <a:r>
-              <a:rPr lang="en-US" dirty="0" smtClean="0"/>
-              <a:t>Command Palette</a:t>
-            </a:r>
-          </a:p>
-          <a:p>
-            <a:pPr lvl="1"/>
-            <a:r>
-              <a:rPr lang="en-US" dirty="0" smtClean="0"/>
-              <a:t>Discoverable</a:t>
-            </a:r>
-          </a:p>
-          <a:p>
-            <a:pPr lvl="1"/>
-            <a:r>
-              <a:rPr lang="en-US" dirty="0" smtClean="0"/>
-              <a:t>Launchable</a:t>
-            </a:r>
-          </a:p>
-          <a:p>
-            <a:endParaRPr lang="en-US" dirty="0"/>
-          </a:p>
-          <a:p>
-            <a:r>
-              <a:rPr lang="en-US" dirty="0" smtClean="0"/>
-              <a:t>1</a:t>
-            </a:r>
-            <a:r>
-              <a:rPr lang="en-US" baseline="30000" dirty="0" smtClean="0"/>
-              <a:t>st</a:t>
-            </a:r>
-            <a:r>
-              <a:rPr lang="en-US" dirty="0" smtClean="0"/>
-              <a:t> class support for:</a:t>
-            </a:r>
-          </a:p>
-          <a:p>
-            <a:pPr lvl="1"/>
-            <a:r>
-              <a:rPr lang="en-US" dirty="0" smtClean="0"/>
-              <a:t>Grunt</a:t>
-            </a:r>
-          </a:p>
-          <a:p>
-            <a:pPr lvl="1"/>
-            <a:r>
-              <a:rPr lang="en-US" dirty="0" smtClean="0"/>
-              <a:t>Gulp</a:t>
-            </a:r>
-          </a:p>
-          <a:p>
-            <a:pPr lvl="1"/>
-            <a:r>
-              <a:rPr lang="en-US" dirty="0" smtClean="0"/>
-              <a:t>Jake</a:t>
-            </a:r>
-          </a:p>
-          <a:p>
-            <a:pPr lvl="1"/>
-            <a:endParaRPr lang="en-US" dirty="0"/>
-          </a:p>
-          <a:p>
-            <a:r>
-              <a:rPr lang="en-US" dirty="0" smtClean="0"/>
-              <a:t>Terminate running tasks:</a:t>
-            </a:r>
-          </a:p>
-          <a:p>
-            <a:pPr lvl="1"/>
-            <a:r>
-              <a:rPr lang="en-US" dirty="0" smtClean="0"/>
-              <a:t>&gt;Tasks: Terminate Running Task</a:t>
-            </a:r>
-            <a:endParaRPr lang="en-US" dirty="0"/>
-          </a:p>
-          <a:p>
-            <a:endParaRPr lang="en-US" dirty="0"/>
-          </a:p>
-        </p:txBody>
-      </p:sp>
-      <p:sp>
-        <p:nvSpPr>
-          <p:cNvPr id="4" name="Slide Number Placeholder 3"/>
-          <p:cNvSpPr>
-            <a:spLocks noGrp="1"/>
-          </p:cNvSpPr>
-          <p:nvPr>
-            <p:ph type="sldNum" sz="quarter" idx="12"/>
-          </p:nvPr>
-        </p:nvSpPr>
-        <p:spPr/>
-        <p:txBody>
-          <a:bodyPr/>
-          <a:lstStyle/>
-          <a:p>
-            <a:fld id="{CA6404EB-EC22-4A9F-B979-51DB938C35B6}" type="slidenum">
-              <a:rPr lang="en-US" smtClean="0"/>
-              <a:t>18</a:t>
-            </a:fld>
-            <a:endParaRPr lang="en-US" dirty="0"/>
-          </a:p>
-        </p:txBody>
-      </p:sp>
-      <p:pic>
-        <p:nvPicPr>
-          <p:cNvPr id="3074" name="Picture 2"/>
-          <p:cNvPicPr>
-            <a:picLocks noChangeAspect="1" noChangeArrowheads="1"/>
-          </p:cNvPicPr>
-          <p:nvPr/>
-        </p:nvPicPr>
-        <p:blipFill>
-          <a:blip r:embed="rId2">
-            <a:extLst>
-              <a:ext uri="{28A0092B-C50C-407E-A947-70E740481C1C}">
-                <a14:useLocalDpi xmlns:a14="http://schemas.microsoft.com/office/drawing/2010/main" val="0"/>
-              </a:ext>
-            </a:extLst>
-          </a:blip>
-          <a:srcRect/>
-          <a:stretch>
-            <a:fillRect/>
-          </a:stretch>
-        </p:blipFill>
-        <p:spPr bwMode="auto">
-          <a:xfrm>
-            <a:off x="5101444" y="160527"/>
-            <a:ext cx="6486525" cy="6543675"/>
-          </a:xfrm>
-          <a:prstGeom prst="rect">
-            <a:avLst/>
-          </a:prstGeom>
-          <a:noFill/>
-          <a:ln>
-            <a:noFill/>
-          </a:ln>
-          <a:effectLst/>
-          <a:extLst>
-            <a:ext uri="{909E8E84-426E-40DD-AFC4-6F175D3DCCD1}">
-              <a14:hiddenFill xmlns:a14="http://schemas.microsoft.com/office/drawing/2010/main">
-                <a:solidFill>
-                  <a:schemeClr val="accent1"/>
-                </a:solidFill>
-              </a14:hiddenFill>
-            </a:ext>
-            <a:ext uri="{91240B29-F687-4F45-9708-019B960494DF}">
-              <a14:hiddenLine xmlns:a14="http://schemas.microsoft.com/office/drawing/2010/main" w="9525">
-                <a:solidFill>
-                  <a:schemeClr val="tx1"/>
-                </a:solidFill>
-                <a:miter lim="800000"/>
-                <a:headEnd/>
-                <a:tailEnd/>
-              </a14:hiddenLine>
-            </a:ext>
-            <a:ext uri="{AF507438-7753-43E0-B8FC-AC1667EBCBE1}">
-              <a14:hiddenEffects xmlns:a14="http://schemas.microsoft.com/office/drawing/2010/main">
-                <a:effectLst>
-                  <a:outerShdw dist="35921" dir="2700000" algn="ctr" rotWithShape="0">
-                    <a:schemeClr val="bg2"/>
-                  </a:outerShdw>
-                </a:effectLst>
-              </a14:hiddenEffects>
-            </a:ext>
-          </a:extLst>
-        </p:spPr>
-      </p:pic>
-      <p:sp>
-        <p:nvSpPr>
-          <p:cNvPr id="10" name="Right Arrow 9"/>
-          <p:cNvSpPr/>
-          <p:nvPr/>
-        </p:nvSpPr>
-        <p:spPr>
-          <a:xfrm rot="20872969">
-            <a:off x="3171670" y="1731600"/>
-            <a:ext cx="5023471" cy="641445"/>
-          </a:xfrm>
-          <a:prstGeom prst="rightArrow">
-            <a:avLst/>
-          </a:prstGeom>
-          <a:ln>
-            <a:solidFill>
-              <a:schemeClr val="bg1"/>
-            </a:solidFill>
-          </a:ln>
-        </p:spPr>
-        <p:style>
-          <a:lnRef idx="2">
-            <a:schemeClr val="accent1">
-              <a:shade val="50000"/>
-            </a:schemeClr>
-          </a:lnRef>
-          <a:fillRef idx="1">
-            <a:schemeClr val="accent1"/>
-          </a:fillRef>
-          <a:effectRef idx="0">
-            <a:schemeClr val="accent1"/>
-          </a:effectRef>
-          <a:fontRef idx="minor">
-            <a:schemeClr val="lt1"/>
-          </a:fontRef>
-        </p:style>
-        <p:txBody>
-          <a:bodyPr rtlCol="0" anchor="ctr"/>
-          <a:lstStyle/>
-          <a:p>
-            <a:pPr algn="ctr"/>
-            <a:r>
-              <a:rPr lang="en-US" dirty="0" smtClean="0"/>
-              <a:t>&gt;Tasks: Run Task</a:t>
-            </a:r>
-            <a:endParaRPr lang="en-US" dirty="0"/>
-          </a:p>
-        </p:txBody>
-      </p:sp>
-    </p:spTree>
-    <p:extLst>
-      <p:ext uri="{BB962C8B-B14F-4D97-AF65-F5344CB8AC3E}">
-        <p14:creationId xmlns:p14="http://schemas.microsoft.com/office/powerpoint/2010/main" val="48702874"/>
-      </p:ext>
-    </p:extLst>
-  </p:cSld>
-  <p:clrMapOvr>
-    <a:masterClrMapping/>
-  </p:clrMapOvr>
-  <mc:AlternateContent xmlns:mc="http://schemas.openxmlformats.org/markup-compatibility/2006" xmlns:p14="http://schemas.microsoft.com/office/powerpoint/2010/main">
-    <mc:Choice Requires="p14">
-      <p:transition p14:dur="250">
-        <p:fade/>
-      </p:transition>
-    </mc:Choice>
-    <mc:Fallback xmlns="">
-      <p:transition>
-        <p:fade/>
-      </p:transition>
-    </mc:Fallback>
-  </mc:AlternateContent>
-  <p:timing>
-    <p:tnLst>
-      <p:par>
-        <p:cTn id="1" dur="indefinite" restart="never" nodeType="tmRoot">
-          <p:childTnLst>
-            <p:seq concurrent="1" nextAc="seek">
-              <p:cTn id="2" dur="indefinite" nodeType="mainSeq">
-                <p:childTnLst>
-                  <p:par>
-                    <p:cTn id="3" fill="hold">
-                      <p:stCondLst>
-                        <p:cond delay="indefinite"/>
-                      </p:stCondLst>
-                      <p:childTnLst>
-                        <p:par>
-                          <p:cTn id="4" fill="hold">
-                            <p:stCondLst>
-                              <p:cond delay="0"/>
-                            </p:stCondLst>
-                            <p:childTnLst>
-                              <p:par>
-                                <p:cTn id="5" presetID="1" presetClass="entr" presetSubtype="0" fill="hold" grpId="0" nodeType="clickEffect">
-                                  <p:stCondLst>
-                                    <p:cond delay="0"/>
-                                  </p:stCondLst>
-                                  <p:childTnLst>
-                                    <p:set>
-                                      <p:cBhvr>
-                                        <p:cTn id="6" dur="1" fill="hold">
-                                          <p:stCondLst>
-                                            <p:cond delay="0"/>
-                                          </p:stCondLst>
-                                        </p:cTn>
-                                        <p:tgtEl>
-                                          <p:spTgt spid="10"/>
-                                        </p:tgtEl>
-                                        <p:attrNameLst>
-                                          <p:attrName>style.visibility</p:attrName>
-                                        </p:attrNameLst>
-                                      </p:cBhvr>
-                                      <p:to>
-                                        <p:strVal val="visible"/>
-                                      </p:to>
-                                    </p:set>
-                                  </p:childTnLst>
-                                </p:cTn>
-                              </p:par>
-                            </p:childTnLst>
-                          </p:cTn>
-                        </p:par>
-                      </p:childTnLst>
-                    </p:cTn>
-                  </p:par>
-                </p:childTnLst>
-              </p:cTn>
-              <p:prevCondLst>
-                <p:cond evt="onPrev" delay="0">
-                  <p:tgtEl>
-                    <p:sldTgt/>
-                  </p:tgtEl>
-                </p:cond>
-              </p:prevCondLst>
-              <p:nextCondLst>
-                <p:cond evt="onNext" delay="0">
-                  <p:tgtEl>
-                    <p:sldTgt/>
-                  </p:tgtEl>
-                </p:cond>
-              </p:nextCondLst>
-            </p:seq>
-          </p:childTnLst>
-        </p:cTn>
-      </p:par>
-    </p:tnLst>
-    <p:bldLst>
-      <p:bldP spid="10" grpId="0" animBg="1"/>
-    </p:bldLst>
-  </p:timing>
-</p:sld>
-</file>
-
-<file path=ppt/slides/slide19.xml><?xml version="1.0" encoding="utf-8"?>
-<p:sld xmlns:a="http://schemas.openxmlformats.org/drawingml/2006/main" xmlns:r="http://schemas.openxmlformats.org/officeDocument/2006/relationships" xmlns:p="http://schemas.openxmlformats.org/presentationml/2006/main">
-  <p:cSld>
-    <p:spTree>
-      <p:nvGrpSpPr>
-        <p:cNvPr id="1" name=""/>
-        <p:cNvGrpSpPr/>
-        <p:nvPr/>
-      </p:nvGrpSpPr>
-      <p:grpSpPr>
-        <a:xfrm>
-          <a:off x="0" y="0"/>
-          <a:ext cx="0" cy="0"/>
-          <a:chOff x="0" y="0"/>
-          <a:chExt cx="0" cy="0"/>
-        </a:xfrm>
-      </p:grpSpPr>
-      <p:sp>
-        <p:nvSpPr>
-          <p:cNvPr id="2" name="Title 1"/>
-          <p:cNvSpPr>
-            <a:spLocks noGrp="1"/>
-          </p:cNvSpPr>
-          <p:nvPr>
-            <p:ph type="title"/>
-          </p:nvPr>
-        </p:nvSpPr>
-        <p:spPr/>
-        <p:txBody>
-          <a:bodyPr/>
-          <a:lstStyle/>
-          <a:p>
-            <a:r>
-              <a:rPr lang="en-US" dirty="0" smtClean="0"/>
-              <a:t>Task Output</a:t>
-            </a:r>
-            <a:endParaRPr lang="en-US" dirty="0"/>
-          </a:p>
-        </p:txBody>
-      </p:sp>
-      <p:sp>
-        <p:nvSpPr>
-          <p:cNvPr id="3" name="Content Placeholder 2"/>
-          <p:cNvSpPr>
-            <a:spLocks noGrp="1"/>
-          </p:cNvSpPr>
-          <p:nvPr>
-            <p:ph idx="1"/>
-          </p:nvPr>
-        </p:nvSpPr>
-        <p:spPr/>
-        <p:txBody>
-          <a:bodyPr/>
-          <a:lstStyle/>
-          <a:p>
-            <a:pPr marL="0" indent="0">
-              <a:buNone/>
-            </a:pPr>
-            <a:endParaRPr lang="en-US" dirty="0"/>
-          </a:p>
-        </p:txBody>
-      </p:sp>
-      <p:sp>
-        <p:nvSpPr>
-          <p:cNvPr id="4" name="Slide Number Placeholder 3"/>
-          <p:cNvSpPr>
-            <a:spLocks noGrp="1"/>
-          </p:cNvSpPr>
-          <p:nvPr>
-            <p:ph type="sldNum" sz="quarter" idx="12"/>
-          </p:nvPr>
-        </p:nvSpPr>
-        <p:spPr/>
-        <p:txBody>
-          <a:bodyPr/>
-          <a:lstStyle/>
-          <a:p>
-            <a:fld id="{CA6404EB-EC22-4A9F-B979-51DB938C35B6}" type="slidenum">
-              <a:rPr lang="en-US" smtClean="0"/>
-              <a:t>19</a:t>
-            </a:fld>
-            <a:endParaRPr lang="en-US" dirty="0"/>
-          </a:p>
-        </p:txBody>
-      </p:sp>
-      <p:pic>
-        <p:nvPicPr>
-          <p:cNvPr id="6" name="Picture 5"/>
-          <p:cNvPicPr>
-            <a:picLocks noChangeAspect="1"/>
-          </p:cNvPicPr>
-          <p:nvPr/>
-        </p:nvPicPr>
-        <p:blipFill>
-          <a:blip r:embed="rId2"/>
-          <a:stretch>
-            <a:fillRect/>
-          </a:stretch>
-        </p:blipFill>
-        <p:spPr>
-          <a:xfrm>
-            <a:off x="428368" y="1841500"/>
-            <a:ext cx="11585832" cy="3245183"/>
-          </a:xfrm>
-          <a:prstGeom prst="rect">
-            <a:avLst/>
-          </a:prstGeom>
-        </p:spPr>
-      </p:pic>
-    </p:spTree>
-    <p:extLst>
-      <p:ext uri="{BB962C8B-B14F-4D97-AF65-F5344CB8AC3E}">
-        <p14:creationId xmlns:p14="http://schemas.microsoft.com/office/powerpoint/2010/main" val="4188502893"/>
       </p:ext>
     </p:extLst>
   </p:cSld>
@@ -9382,6 +9167,523 @@
       </p:grpSpPr>
       <p:sp>
         <p:nvSpPr>
+          <p:cNvPr id="8" name="Title 7"/>
+          <p:cNvSpPr>
+            <a:spLocks noGrp="1"/>
+          </p:cNvSpPr>
+          <p:nvPr>
+            <p:ph type="title"/>
+          </p:nvPr>
+        </p:nvSpPr>
+        <p:spPr/>
+        <p:txBody>
+          <a:bodyPr/>
+          <a:lstStyle/>
+          <a:p>
+            <a:r>
+              <a:rPr lang="en-US" dirty="0" smtClean="0"/>
+              <a:t>JS Task Runners</a:t>
+            </a:r>
+            <a:endParaRPr lang="en-US" dirty="0"/>
+          </a:p>
+        </p:txBody>
+      </p:sp>
+      <p:sp>
+        <p:nvSpPr>
+          <p:cNvPr id="9" name="Content Placeholder 8"/>
+          <p:cNvSpPr>
+            <a:spLocks noGrp="1"/>
+          </p:cNvSpPr>
+          <p:nvPr>
+            <p:ph idx="1"/>
+          </p:nvPr>
+        </p:nvSpPr>
+        <p:spPr/>
+        <p:txBody>
+          <a:bodyPr>
+            <a:normAutofit fontScale="92500" lnSpcReduction="10000"/>
+          </a:bodyPr>
+          <a:lstStyle/>
+          <a:p>
+            <a:r>
+              <a:rPr lang="en-US" dirty="0" smtClean="0"/>
+              <a:t>Command Palette</a:t>
+            </a:r>
+          </a:p>
+          <a:p>
+            <a:pPr lvl="1"/>
+            <a:r>
+              <a:rPr lang="en-US" dirty="0" smtClean="0"/>
+              <a:t>Discoverable</a:t>
+            </a:r>
+          </a:p>
+          <a:p>
+            <a:pPr lvl="1"/>
+            <a:r>
+              <a:rPr lang="en-US" dirty="0" smtClean="0"/>
+              <a:t>Launchable</a:t>
+            </a:r>
+          </a:p>
+          <a:p>
+            <a:endParaRPr lang="en-US" dirty="0"/>
+          </a:p>
+          <a:p>
+            <a:r>
+              <a:rPr lang="en-US" dirty="0" smtClean="0"/>
+              <a:t>1</a:t>
+            </a:r>
+            <a:r>
+              <a:rPr lang="en-US" baseline="30000" dirty="0" smtClean="0"/>
+              <a:t>st</a:t>
+            </a:r>
+            <a:r>
+              <a:rPr lang="en-US" dirty="0" smtClean="0"/>
+              <a:t> class support for:</a:t>
+            </a:r>
+          </a:p>
+          <a:p>
+            <a:pPr lvl="1"/>
+            <a:r>
+              <a:rPr lang="en-US" dirty="0" smtClean="0"/>
+              <a:t>Grunt</a:t>
+            </a:r>
+          </a:p>
+          <a:p>
+            <a:pPr lvl="1"/>
+            <a:r>
+              <a:rPr lang="en-US" dirty="0" smtClean="0"/>
+              <a:t>Gulp</a:t>
+            </a:r>
+          </a:p>
+          <a:p>
+            <a:pPr lvl="1"/>
+            <a:r>
+              <a:rPr lang="en-US" dirty="0" smtClean="0"/>
+              <a:t>Jake</a:t>
+            </a:r>
+          </a:p>
+          <a:p>
+            <a:pPr lvl="1"/>
+            <a:endParaRPr lang="en-US" dirty="0"/>
+          </a:p>
+          <a:p>
+            <a:r>
+              <a:rPr lang="en-US" dirty="0" smtClean="0"/>
+              <a:t>Terminate running tasks:</a:t>
+            </a:r>
+          </a:p>
+          <a:p>
+            <a:pPr lvl="1"/>
+            <a:r>
+              <a:rPr lang="en-US" dirty="0" smtClean="0"/>
+              <a:t>&gt;Tasks: Terminate Running Task</a:t>
+            </a:r>
+            <a:endParaRPr lang="en-US" dirty="0"/>
+          </a:p>
+          <a:p>
+            <a:endParaRPr lang="en-US" dirty="0"/>
+          </a:p>
+        </p:txBody>
+      </p:sp>
+      <p:sp>
+        <p:nvSpPr>
+          <p:cNvPr id="4" name="Slide Number Placeholder 3"/>
+          <p:cNvSpPr>
+            <a:spLocks noGrp="1"/>
+          </p:cNvSpPr>
+          <p:nvPr>
+            <p:ph type="sldNum" sz="quarter" idx="12"/>
+          </p:nvPr>
+        </p:nvSpPr>
+        <p:spPr/>
+        <p:txBody>
+          <a:bodyPr/>
+          <a:lstStyle/>
+          <a:p>
+            <a:fld id="{CA6404EB-EC22-4A9F-B979-51DB938C35B6}" type="slidenum">
+              <a:rPr lang="en-US" smtClean="0"/>
+              <a:t>20</a:t>
+            </a:fld>
+            <a:endParaRPr lang="en-US" dirty="0"/>
+          </a:p>
+        </p:txBody>
+      </p:sp>
+      <p:pic>
+        <p:nvPicPr>
+          <p:cNvPr id="3074" name="Picture 2"/>
+          <p:cNvPicPr>
+            <a:picLocks noChangeAspect="1" noChangeArrowheads="1"/>
+          </p:cNvPicPr>
+          <p:nvPr/>
+        </p:nvPicPr>
+        <p:blipFill>
+          <a:blip r:embed="rId2">
+            <a:extLst>
+              <a:ext uri="{28A0092B-C50C-407E-A947-70E740481C1C}">
+                <a14:useLocalDpi xmlns:a14="http://schemas.microsoft.com/office/drawing/2010/main" val="0"/>
+              </a:ext>
+            </a:extLst>
+          </a:blip>
+          <a:srcRect/>
+          <a:stretch>
+            <a:fillRect/>
+          </a:stretch>
+        </p:blipFill>
+        <p:spPr bwMode="auto">
+          <a:xfrm>
+            <a:off x="5101444" y="160527"/>
+            <a:ext cx="6486525" cy="6543675"/>
+          </a:xfrm>
+          <a:prstGeom prst="rect">
+            <a:avLst/>
+          </a:prstGeom>
+          <a:noFill/>
+          <a:ln>
+            <a:noFill/>
+          </a:ln>
+          <a:effectLst/>
+          <a:extLst>
+            <a:ext uri="{909E8E84-426E-40DD-AFC4-6F175D3DCCD1}">
+              <a14:hiddenFill xmlns:a14="http://schemas.microsoft.com/office/drawing/2010/main">
+                <a:solidFill>
+                  <a:schemeClr val="accent1"/>
+                </a:solidFill>
+              </a14:hiddenFill>
+            </a:ext>
+            <a:ext uri="{91240B29-F687-4F45-9708-019B960494DF}">
+              <a14:hiddenLine xmlns:a14="http://schemas.microsoft.com/office/drawing/2010/main" w="9525">
+                <a:solidFill>
+                  <a:schemeClr val="tx1"/>
+                </a:solidFill>
+                <a:miter lim="800000"/>
+                <a:headEnd/>
+                <a:tailEnd/>
+              </a14:hiddenLine>
+            </a:ext>
+            <a:ext uri="{AF507438-7753-43E0-B8FC-AC1667EBCBE1}">
+              <a14:hiddenEffects xmlns:a14="http://schemas.microsoft.com/office/drawing/2010/main">
+                <a:effectLst>
+                  <a:outerShdw dist="35921" dir="2700000" algn="ctr" rotWithShape="0">
+                    <a:schemeClr val="bg2"/>
+                  </a:outerShdw>
+                </a:effectLst>
+              </a14:hiddenEffects>
+            </a:ext>
+          </a:extLst>
+        </p:spPr>
+      </p:pic>
+      <p:sp>
+        <p:nvSpPr>
+          <p:cNvPr id="10" name="Right Arrow 9"/>
+          <p:cNvSpPr/>
+          <p:nvPr/>
+        </p:nvSpPr>
+        <p:spPr>
+          <a:xfrm rot="20872969">
+            <a:off x="3171670" y="1731600"/>
+            <a:ext cx="5023471" cy="641445"/>
+          </a:xfrm>
+          <a:prstGeom prst="rightArrow">
+            <a:avLst/>
+          </a:prstGeom>
+          <a:ln>
+            <a:solidFill>
+              <a:schemeClr val="bg1"/>
+            </a:solidFill>
+          </a:ln>
+        </p:spPr>
+        <p:style>
+          <a:lnRef idx="2">
+            <a:schemeClr val="accent1">
+              <a:shade val="50000"/>
+            </a:schemeClr>
+          </a:lnRef>
+          <a:fillRef idx="1">
+            <a:schemeClr val="accent1"/>
+          </a:fillRef>
+          <a:effectRef idx="0">
+            <a:schemeClr val="accent1"/>
+          </a:effectRef>
+          <a:fontRef idx="minor">
+            <a:schemeClr val="lt1"/>
+          </a:fontRef>
+        </p:style>
+        <p:txBody>
+          <a:bodyPr rtlCol="0" anchor="ctr"/>
+          <a:lstStyle/>
+          <a:p>
+            <a:pPr algn="ctr"/>
+            <a:r>
+              <a:rPr lang="en-US" dirty="0" smtClean="0"/>
+              <a:t>&gt;Tasks: Run Task</a:t>
+            </a:r>
+            <a:endParaRPr lang="en-US" dirty="0"/>
+          </a:p>
+        </p:txBody>
+      </p:sp>
+    </p:spTree>
+    <p:extLst>
+      <p:ext uri="{BB962C8B-B14F-4D97-AF65-F5344CB8AC3E}">
+        <p14:creationId xmlns:p14="http://schemas.microsoft.com/office/powerpoint/2010/main" val="48702874"/>
+      </p:ext>
+    </p:extLst>
+  </p:cSld>
+  <p:clrMapOvr>
+    <a:masterClrMapping/>
+  </p:clrMapOvr>
+  <mc:AlternateContent xmlns:mc="http://schemas.openxmlformats.org/markup-compatibility/2006" xmlns:p14="http://schemas.microsoft.com/office/powerpoint/2010/main">
+    <mc:Choice Requires="p14">
+      <p:transition p14:dur="250">
+        <p:fade/>
+      </p:transition>
+    </mc:Choice>
+    <mc:Fallback xmlns="">
+      <p:transition>
+        <p:fade/>
+      </p:transition>
+    </mc:Fallback>
+  </mc:AlternateContent>
+  <p:timing>
+    <p:tnLst>
+      <p:par>
+        <p:cTn id="1" dur="indefinite" restart="never" nodeType="tmRoot">
+          <p:childTnLst>
+            <p:seq concurrent="1" nextAc="seek">
+              <p:cTn id="2" dur="indefinite" nodeType="mainSeq">
+                <p:childTnLst>
+                  <p:par>
+                    <p:cTn id="3" fill="hold">
+                      <p:stCondLst>
+                        <p:cond delay="indefinite"/>
+                      </p:stCondLst>
+                      <p:childTnLst>
+                        <p:par>
+                          <p:cTn id="4" fill="hold">
+                            <p:stCondLst>
+                              <p:cond delay="0"/>
+                            </p:stCondLst>
+                            <p:childTnLst>
+                              <p:par>
+                                <p:cTn id="5" presetID="1" presetClass="entr" presetSubtype="0" fill="hold" grpId="0" nodeType="clickEffect">
+                                  <p:stCondLst>
+                                    <p:cond delay="0"/>
+                                  </p:stCondLst>
+                                  <p:childTnLst>
+                                    <p:set>
+                                      <p:cBhvr>
+                                        <p:cTn id="6" dur="1" fill="hold">
+                                          <p:stCondLst>
+                                            <p:cond delay="0"/>
+                                          </p:stCondLst>
+                                        </p:cTn>
+                                        <p:tgtEl>
+                                          <p:spTgt spid="10"/>
+                                        </p:tgtEl>
+                                        <p:attrNameLst>
+                                          <p:attrName>style.visibility</p:attrName>
+                                        </p:attrNameLst>
+                                      </p:cBhvr>
+                                      <p:to>
+                                        <p:strVal val="visible"/>
+                                      </p:to>
+                                    </p:set>
+                                  </p:childTnLst>
+                                </p:cTn>
+                              </p:par>
+                            </p:childTnLst>
+                          </p:cTn>
+                        </p:par>
+                      </p:childTnLst>
+                    </p:cTn>
+                  </p:par>
+                </p:childTnLst>
+              </p:cTn>
+              <p:prevCondLst>
+                <p:cond evt="onPrev" delay="0">
+                  <p:tgtEl>
+                    <p:sldTgt/>
+                  </p:tgtEl>
+                </p:cond>
+              </p:prevCondLst>
+              <p:nextCondLst>
+                <p:cond evt="onNext" delay="0">
+                  <p:tgtEl>
+                    <p:sldTgt/>
+                  </p:tgtEl>
+                </p:cond>
+              </p:nextCondLst>
+            </p:seq>
+          </p:childTnLst>
+        </p:cTn>
+      </p:par>
+    </p:tnLst>
+    <p:bldLst>
+      <p:bldP spid="10" grpId="0" animBg="1"/>
+    </p:bldLst>
+  </p:timing>
+</p:sld>
+</file>
+
+<file path=ppt/slides/slide21.xml><?xml version="1.0" encoding="utf-8"?>
+<p:sld xmlns:a="http://schemas.openxmlformats.org/drawingml/2006/main" xmlns:r="http://schemas.openxmlformats.org/officeDocument/2006/relationships" xmlns:p="http://schemas.openxmlformats.org/presentationml/2006/main">
+  <p:cSld>
+    <p:spTree>
+      <p:nvGrpSpPr>
+        <p:cNvPr id="1" name=""/>
+        <p:cNvGrpSpPr/>
+        <p:nvPr/>
+      </p:nvGrpSpPr>
+      <p:grpSpPr>
+        <a:xfrm>
+          <a:off x="0" y="0"/>
+          <a:ext cx="0" cy="0"/>
+          <a:chOff x="0" y="0"/>
+          <a:chExt cx="0" cy="0"/>
+        </a:xfrm>
+      </p:grpSpPr>
+      <p:sp>
+        <p:nvSpPr>
+          <p:cNvPr id="2" name="Title 1"/>
+          <p:cNvSpPr>
+            <a:spLocks noGrp="1"/>
+          </p:cNvSpPr>
+          <p:nvPr>
+            <p:ph type="title"/>
+          </p:nvPr>
+        </p:nvSpPr>
+        <p:spPr/>
+        <p:txBody>
+          <a:bodyPr/>
+          <a:lstStyle/>
+          <a:p>
+            <a:r>
+              <a:rPr lang="en-US" dirty="0" smtClean="0"/>
+              <a:t>Task Output</a:t>
+            </a:r>
+            <a:endParaRPr lang="en-US" dirty="0"/>
+          </a:p>
+        </p:txBody>
+      </p:sp>
+      <p:sp>
+        <p:nvSpPr>
+          <p:cNvPr id="3" name="Content Placeholder 2"/>
+          <p:cNvSpPr>
+            <a:spLocks noGrp="1"/>
+          </p:cNvSpPr>
+          <p:nvPr>
+            <p:ph idx="1"/>
+          </p:nvPr>
+        </p:nvSpPr>
+        <p:spPr/>
+        <p:txBody>
+          <a:bodyPr/>
+          <a:lstStyle/>
+          <a:p>
+            <a:pPr marL="0" indent="0">
+              <a:buNone/>
+            </a:pPr>
+            <a:endParaRPr lang="en-US" dirty="0"/>
+          </a:p>
+        </p:txBody>
+      </p:sp>
+      <p:sp>
+        <p:nvSpPr>
+          <p:cNvPr id="4" name="Slide Number Placeholder 3"/>
+          <p:cNvSpPr>
+            <a:spLocks noGrp="1"/>
+          </p:cNvSpPr>
+          <p:nvPr>
+            <p:ph type="sldNum" sz="quarter" idx="12"/>
+          </p:nvPr>
+        </p:nvSpPr>
+        <p:spPr/>
+        <p:txBody>
+          <a:bodyPr/>
+          <a:lstStyle/>
+          <a:p>
+            <a:fld id="{CA6404EB-EC22-4A9F-B979-51DB938C35B6}" type="slidenum">
+              <a:rPr lang="en-US" smtClean="0"/>
+              <a:t>21</a:t>
+            </a:fld>
+            <a:endParaRPr lang="en-US" dirty="0"/>
+          </a:p>
+        </p:txBody>
+      </p:sp>
+      <p:pic>
+        <p:nvPicPr>
+          <p:cNvPr id="6" name="Picture 5"/>
+          <p:cNvPicPr>
+            <a:picLocks noChangeAspect="1"/>
+          </p:cNvPicPr>
+          <p:nvPr/>
+        </p:nvPicPr>
+        <p:blipFill>
+          <a:blip r:embed="rId2"/>
+          <a:stretch>
+            <a:fillRect/>
+          </a:stretch>
+        </p:blipFill>
+        <p:spPr>
+          <a:xfrm>
+            <a:off x="428368" y="1841500"/>
+            <a:ext cx="11585832" cy="3245183"/>
+          </a:xfrm>
+          <a:prstGeom prst="rect">
+            <a:avLst/>
+          </a:prstGeom>
+        </p:spPr>
+      </p:pic>
+    </p:spTree>
+    <p:extLst>
+      <p:ext uri="{BB962C8B-B14F-4D97-AF65-F5344CB8AC3E}">
+        <p14:creationId xmlns:p14="http://schemas.microsoft.com/office/powerpoint/2010/main" val="4188502893"/>
+      </p:ext>
+    </p:extLst>
+  </p:cSld>
+  <p:clrMapOvr>
+    <a:masterClrMapping/>
+  </p:clrMapOvr>
+  <mc:AlternateContent xmlns:mc="http://schemas.openxmlformats.org/markup-compatibility/2006" xmlns:p14="http://schemas.microsoft.com/office/powerpoint/2010/main">
+    <mc:Choice Requires="p14">
+      <p:transition p14:dur="250">
+        <p:fade/>
+      </p:transition>
+    </mc:Choice>
+    <mc:Fallback xmlns="">
+      <p:transition>
+        <p:fade/>
+      </p:transition>
+    </mc:Fallback>
+  </mc:AlternateContent>
+  <p:timing>
+    <p:tnLst>
+      <p:par>
+        <p:cTn id="1" dur="indefinite" restart="never" nodeType="tmRoot"/>
+      </p:par>
+    </p:tnLst>
+  </p:timing>
+</p:sld>
+</file>
+
+<file path=ppt/slides/slide22.xml><?xml version="1.0" encoding="utf-8"?>
+<p:sld xmlns:a="http://schemas.openxmlformats.org/drawingml/2006/main" xmlns:r="http://schemas.openxmlformats.org/officeDocument/2006/relationships" xmlns:p="http://schemas.openxmlformats.org/presentationml/2006/main">
+  <p:cSld>
+    <p:spTree>
+      <p:nvGrpSpPr>
+        <p:cNvPr id="1" name=""/>
+        <p:cNvGrpSpPr/>
+        <p:nvPr/>
+      </p:nvGrpSpPr>
+      <p:grpSpPr>
+        <a:xfrm>
+          <a:off x="0" y="0"/>
+          <a:ext cx="0" cy="0"/>
+          <a:chOff x="0" y="0"/>
+          <a:chExt cx="0" cy="0"/>
+        </a:xfrm>
+      </p:grpSpPr>
+      <p:sp>
+        <p:nvSpPr>
           <p:cNvPr id="8" name="TextBox 7"/>
           <p:cNvSpPr txBox="1"/>
           <p:nvPr/>
@@ -9482,7 +9784,7 @@
           <a:p>
             <a:fld id="{CA6404EB-EC22-4A9F-B979-51DB938C35B6}" type="slidenum">
               <a:rPr lang="en-US" smtClean="0"/>
-              <a:t>20</a:t>
+              <a:t>22</a:t>
             </a:fld>
             <a:endParaRPr lang="en-US" dirty="0"/>
           </a:p>
@@ -9610,7 +9912,7 @@
 </p:sld>
 </file>
 
-<file path=ppt/slides/slide21.xml><?xml version="1.0" encoding="utf-8"?>
+<file path=ppt/slides/slide23.xml><?xml version="1.0" encoding="utf-8"?>
 <p:sld xmlns:a="http://schemas.openxmlformats.org/drawingml/2006/main" xmlns:r="http://schemas.openxmlformats.org/officeDocument/2006/relationships" xmlns:p="http://schemas.openxmlformats.org/presentationml/2006/main">
   <p:cSld>
     <p:spTree>
@@ -9745,7 +10047,7 @@
           <a:p>
             <a:fld id="{CA6404EB-EC22-4A9F-B979-51DB938C35B6}" type="slidenum">
               <a:rPr lang="en-US" smtClean="0"/>
-              <a:t>21</a:t>
+              <a:t>23</a:t>
             </a:fld>
             <a:endParaRPr lang="en-US" dirty="0"/>
           </a:p>
@@ -9783,7 +10085,7 @@
 </p:sld>
 </file>
 
-<file path=ppt/slides/slide22.xml><?xml version="1.0" encoding="utf-8"?>
+<file path=ppt/slides/slide24.xml><?xml version="1.0" encoding="utf-8"?>
 <p:sld xmlns:a="http://schemas.openxmlformats.org/drawingml/2006/main" xmlns:r="http://schemas.openxmlformats.org/officeDocument/2006/relationships" xmlns:p="http://schemas.openxmlformats.org/presentationml/2006/main">
   <p:cSld>
     <p:spTree>
@@ -9902,7 +10204,7 @@
           <a:p>
             <a:fld id="{CA6404EB-EC22-4A9F-B979-51DB938C35B6}" type="slidenum">
               <a:rPr lang="en-US" smtClean="0"/>
-              <a:t>22</a:t>
+              <a:t>24</a:t>
             </a:fld>
             <a:endParaRPr lang="en-US" dirty="0"/>
           </a:p>
@@ -9940,7 +10242,7 @@
 </p:sld>
 </file>
 
-<file path=ppt/slides/slide23.xml><?xml version="1.0" encoding="utf-8"?>
+<file path=ppt/slides/slide25.xml><?xml version="1.0" encoding="utf-8"?>
 <p:sld xmlns:a="http://schemas.openxmlformats.org/drawingml/2006/main" xmlns:r="http://schemas.openxmlformats.org/officeDocument/2006/relationships" xmlns:p="http://schemas.openxmlformats.org/presentationml/2006/main">
   <p:cSld>
     <p:spTree>
@@ -10059,7 +10361,7 @@
           <a:p>
             <a:fld id="{CA6404EB-EC22-4A9F-B979-51DB938C35B6}" type="slidenum">
               <a:rPr lang="en-US" smtClean="0"/>
-              <a:t>23</a:t>
+              <a:t>25</a:t>
             </a:fld>
             <a:endParaRPr lang="en-US" dirty="0"/>
           </a:p>
@@ -10187,7 +10489,7 @@
 </p:sld>
 </file>
 
-<file path=ppt/slides/slide24.xml><?xml version="1.0" encoding="utf-8"?>
+<file path=ppt/slides/slide26.xml><?xml version="1.0" encoding="utf-8"?>
 <p:sld xmlns:a="http://schemas.openxmlformats.org/drawingml/2006/main" xmlns:r="http://schemas.openxmlformats.org/officeDocument/2006/relationships" xmlns:p="http://schemas.openxmlformats.org/presentationml/2006/main">
   <p:cSld>
     <p:spTree>
@@ -10279,7 +10581,7 @@
           <a:p>
             <a:fld id="{CA6404EB-EC22-4A9F-B979-51DB938C35B6}" type="slidenum">
               <a:rPr lang="en-US" smtClean="0"/>
-              <a:t>24</a:t>
+              <a:t>26</a:t>
             </a:fld>
             <a:endParaRPr lang="en-US" dirty="0"/>
           </a:p>
@@ -10371,7 +10673,7 @@
 </p:sld>
 </file>
 
-<file path=ppt/slides/slide25.xml><?xml version="1.0" encoding="utf-8"?>
+<file path=ppt/slides/slide27.xml><?xml version="1.0" encoding="utf-8"?>
 <p:sld xmlns:a="http://schemas.openxmlformats.org/drawingml/2006/main" xmlns:r="http://schemas.openxmlformats.org/officeDocument/2006/relationships" xmlns:p="http://schemas.openxmlformats.org/presentationml/2006/main">
   <p:cSld>
     <p:spTree>
@@ -10535,7 +10837,7 @@
           <a:p>
             <a:fld id="{CA6404EB-EC22-4A9F-B979-51DB938C35B6}" type="slidenum">
               <a:rPr lang="en-US" smtClean="0"/>
-              <a:t>25</a:t>
+              <a:t>27</a:t>
             </a:fld>
             <a:endParaRPr lang="en-US" dirty="0"/>
           </a:p>
@@ -10573,7 +10875,7 @@
 </p:sld>
 </file>
 
-<file path=ppt/slides/slide26.xml><?xml version="1.0" encoding="utf-8"?>
+<file path=ppt/slides/slide28.xml><?xml version="1.0" encoding="utf-8"?>
 <p:sld xmlns:a="http://schemas.openxmlformats.org/drawingml/2006/main" xmlns:r="http://schemas.openxmlformats.org/officeDocument/2006/relationships" xmlns:p="http://schemas.openxmlformats.org/presentationml/2006/main">
   <p:cSld>
     <p:spTree>
@@ -10692,7 +10994,7 @@
           <a:p>
             <a:fld id="{CA6404EB-EC22-4A9F-B979-51DB938C35B6}" type="slidenum">
               <a:rPr lang="en-US" smtClean="0"/>
-              <a:t>26</a:t>
+              <a:t>28</a:t>
             </a:fld>
             <a:endParaRPr lang="en-US" dirty="0"/>
           </a:p>
@@ -10820,7 +11122,7 @@
 </p:sld>
 </file>
 
-<file path=ppt/slides/slide27.xml><?xml version="1.0" encoding="utf-8"?>
+<file path=ppt/slides/slide29.xml><?xml version="1.0" encoding="utf-8"?>
 <p:sld xmlns:a="http://schemas.openxmlformats.org/drawingml/2006/main" xmlns:r="http://schemas.openxmlformats.org/officeDocument/2006/relationships" xmlns:p="http://schemas.openxmlformats.org/presentationml/2006/main">
   <p:cSld>
     <p:spTree>
@@ -10917,7 +11219,7 @@
           <a:p>
             <a:fld id="{CA6404EB-EC22-4A9F-B979-51DB938C35B6}" type="slidenum">
               <a:rPr lang="en-US" smtClean="0"/>
-              <a:t>27</a:t>
+              <a:t>29</a:t>
             </a:fld>
             <a:endParaRPr lang="en-US" dirty="0"/>
           </a:p>
@@ -10927,243 +11229,6 @@
     <p:extLst>
       <p:ext uri="{BB962C8B-B14F-4D97-AF65-F5344CB8AC3E}">
         <p14:creationId xmlns:p14="http://schemas.microsoft.com/office/powerpoint/2010/main" val="1074849863"/>
-      </p:ext>
-    </p:extLst>
-  </p:cSld>
-  <p:clrMapOvr>
-    <a:masterClrMapping/>
-  </p:clrMapOvr>
-  <mc:AlternateContent xmlns:mc="http://schemas.openxmlformats.org/markup-compatibility/2006" xmlns:p14="http://schemas.microsoft.com/office/powerpoint/2010/main">
-    <mc:Choice Requires="p14">
-      <p:transition p14:dur="250">
-        <p:fade/>
-      </p:transition>
-    </mc:Choice>
-    <mc:Fallback xmlns="">
-      <p:transition>
-        <p:fade/>
-      </p:transition>
-    </mc:Fallback>
-  </mc:AlternateContent>
-</p:sld>
-</file>
-
-<file path=ppt/slides/slide28.xml><?xml version="1.0" encoding="utf-8"?>
-<p:sld xmlns:a="http://schemas.openxmlformats.org/drawingml/2006/main" xmlns:r="http://schemas.openxmlformats.org/officeDocument/2006/relationships" xmlns:p="http://schemas.openxmlformats.org/presentationml/2006/main">
-  <p:cSld>
-    <p:spTree>
-      <p:nvGrpSpPr>
-        <p:cNvPr id="1" name=""/>
-        <p:cNvGrpSpPr/>
-        <p:nvPr/>
-      </p:nvGrpSpPr>
-      <p:grpSpPr>
-        <a:xfrm>
-          <a:off x="0" y="0"/>
-          <a:ext cx="0" cy="0"/>
-          <a:chOff x="0" y="0"/>
-          <a:chExt cx="0" cy="0"/>
-        </a:xfrm>
-      </p:grpSpPr>
-      <p:pic>
-        <p:nvPicPr>
-          <p:cNvPr id="7" name="Picture 6"/>
-          <p:cNvPicPr>
-            <a:picLocks noChangeAspect="1"/>
-          </p:cNvPicPr>
-          <p:nvPr/>
-        </p:nvPicPr>
-        <p:blipFill>
-          <a:blip r:embed="rId2">
-            <a:extLst>
-              <a:ext uri="{28A0092B-C50C-407E-A947-70E740481C1C}">
-                <a14:useLocalDpi xmlns:a14="http://schemas.microsoft.com/office/drawing/2010/main" val="0"/>
-              </a:ext>
-            </a:extLst>
-          </a:blip>
-          <a:stretch>
-            <a:fillRect/>
-          </a:stretch>
-        </p:blipFill>
-        <p:spPr>
-          <a:xfrm>
-            <a:off x="498226" y="2223756"/>
-            <a:ext cx="4412634" cy="4412634"/>
-          </a:xfrm>
-          <a:prstGeom prst="rect">
-            <a:avLst/>
-          </a:prstGeom>
-        </p:spPr>
-      </p:pic>
-      <p:sp>
-        <p:nvSpPr>
-          <p:cNvPr id="2" name="Title 1"/>
-          <p:cNvSpPr>
-            <a:spLocks noGrp="1"/>
-          </p:cNvSpPr>
-          <p:nvPr>
-            <p:ph type="title"/>
-          </p:nvPr>
-        </p:nvSpPr>
-        <p:spPr/>
-        <p:txBody>
-          <a:bodyPr/>
-          <a:lstStyle/>
-          <a:p>
-            <a:r>
-              <a:rPr lang="en-US" dirty="0" smtClean="0"/>
-              <a:t>Resources</a:t>
-            </a:r>
-            <a:endParaRPr lang="en-US" dirty="0"/>
-          </a:p>
-        </p:txBody>
-      </p:sp>
-      <p:sp>
-        <p:nvSpPr>
-          <p:cNvPr id="3" name="Content Placeholder 2"/>
-          <p:cNvSpPr>
-            <a:spLocks noGrp="1"/>
-          </p:cNvSpPr>
-          <p:nvPr>
-            <p:ph sz="half" idx="1"/>
-          </p:nvPr>
-        </p:nvSpPr>
-        <p:spPr/>
-        <p:txBody>
-          <a:bodyPr/>
-          <a:lstStyle/>
-          <a:p>
-            <a:r>
-              <a:rPr lang="en-US" dirty="0" smtClean="0"/>
-              <a:t>Scan QR for slides:</a:t>
-            </a:r>
-          </a:p>
-        </p:txBody>
-      </p:sp>
-      <p:sp>
-        <p:nvSpPr>
-          <p:cNvPr id="6" name="Content Placeholder 5"/>
-          <p:cNvSpPr>
-            <a:spLocks noGrp="1"/>
-          </p:cNvSpPr>
-          <p:nvPr>
-            <p:ph sz="half" idx="2"/>
-          </p:nvPr>
-        </p:nvSpPr>
-        <p:spPr>
-          <a:xfrm>
-            <a:off x="4910860" y="2160589"/>
-            <a:ext cx="4184034" cy="3880773"/>
-          </a:xfrm>
-        </p:spPr>
-        <p:txBody>
-          <a:bodyPr/>
-          <a:lstStyle/>
-          <a:p>
-            <a:r>
-              <a:rPr lang="en-US" dirty="0" smtClean="0">
-                <a:hlinkClick r:id="rId3"/>
-              </a:rPr>
-              <a:t>Official VS Code website</a:t>
-            </a:r>
-            <a:endParaRPr lang="en-US" dirty="0" smtClean="0">
-              <a:hlinkClick r:id="rId4"/>
-            </a:endParaRPr>
-          </a:p>
-          <a:p>
-            <a:endParaRPr lang="en-US" dirty="0">
-              <a:hlinkClick r:id="rId4"/>
-            </a:endParaRPr>
-          </a:p>
-          <a:p>
-            <a:r>
-              <a:rPr lang="en-US" dirty="0" smtClean="0">
-                <a:hlinkClick r:id="rId5"/>
-              </a:rPr>
-              <a:t>VS Code Docs</a:t>
-            </a:r>
-            <a:endParaRPr lang="en-US" dirty="0" smtClean="0">
-              <a:hlinkClick r:id="rId4"/>
-            </a:endParaRPr>
-          </a:p>
-          <a:p>
-            <a:pPr marL="0" indent="0">
-              <a:buNone/>
-            </a:pPr>
-            <a:endParaRPr lang="en-US" dirty="0">
-              <a:hlinkClick r:id="rId4"/>
-            </a:endParaRPr>
-          </a:p>
-          <a:p>
-            <a:r>
-              <a:rPr lang="en-US" dirty="0" smtClean="0">
-                <a:hlinkClick r:id="rId6"/>
-              </a:rPr>
-              <a:t>Visual Studio Code</a:t>
-            </a:r>
-            <a:endParaRPr lang="en-US" dirty="0"/>
-          </a:p>
-          <a:p>
-            <a:pPr lvl="1"/>
-            <a:r>
-              <a:rPr lang="en-US" dirty="0"/>
-              <a:t>John Papa, Pluralsight </a:t>
-            </a:r>
-            <a:r>
-              <a:rPr lang="en-US" dirty="0" smtClean="0"/>
-              <a:t>course</a:t>
-            </a:r>
-          </a:p>
-          <a:p>
-            <a:pPr lvl="1"/>
-            <a:endParaRPr lang="en-US" dirty="0"/>
-          </a:p>
-          <a:p>
-            <a:r>
-              <a:rPr lang="en-US" dirty="0" smtClean="0">
-                <a:hlinkClick r:id="rId7"/>
-              </a:rPr>
-              <a:t>VS Code ES6 Sample Project</a:t>
-            </a:r>
-            <a:endParaRPr lang="en-US" dirty="0" smtClean="0"/>
-          </a:p>
-          <a:p>
-            <a:pPr lvl="1"/>
-            <a:r>
-              <a:rPr lang="en-US" dirty="0" smtClean="0"/>
-              <a:t>GitHub repo</a:t>
-            </a:r>
-            <a:endParaRPr lang="en-US" dirty="0"/>
-          </a:p>
-        </p:txBody>
-      </p:sp>
-      <p:sp>
-        <p:nvSpPr>
-          <p:cNvPr id="4" name="Slide Number Placeholder 3"/>
-          <p:cNvSpPr>
-            <a:spLocks noGrp="1"/>
-          </p:cNvSpPr>
-          <p:nvPr>
-            <p:ph type="sldNum" sz="quarter" idx="12"/>
-          </p:nvPr>
-        </p:nvSpPr>
-        <p:spPr/>
-        <p:txBody>
-          <a:bodyPr/>
-          <a:lstStyle/>
-          <a:p>
-            <a:fld id="{CA6404EB-EC22-4A9F-B979-51DB938C35B6}" type="slidenum">
-              <a:rPr lang="en-US" smtClean="0"/>
-              <a:t>28</a:t>
-            </a:fld>
-            <a:endParaRPr lang="en-US" dirty="0"/>
-          </a:p>
-        </p:txBody>
-      </p:sp>
-    </p:spTree>
-    <p:extLst>
-      <p:ext uri="{BB962C8B-B14F-4D97-AF65-F5344CB8AC3E}">
-        <p14:creationId xmlns:p14="http://schemas.microsoft.com/office/powerpoint/2010/main" val="3638115030"/>
       </p:ext>
     </p:extLst>
   </p:cSld>
@@ -11249,47 +11314,43 @@
           <a:p>
             <a:r>
               <a:rPr lang="en-US" dirty="0" smtClean="0"/>
-              <a:t>An editor, not an IDE</a:t>
-            </a:r>
-          </a:p>
-          <a:p>
-            <a:pPr lvl="1"/>
-            <a:r>
-              <a:rPr lang="en-US" dirty="0" smtClean="0"/>
-              <a:t>Based on GitHub’s Electron shell</a:t>
-            </a:r>
-          </a:p>
-          <a:p>
-            <a:pPr lvl="1"/>
-            <a:r>
-              <a:rPr lang="en-US" dirty="0" smtClean="0"/>
-              <a:t>Designed by engineers who created:</a:t>
-            </a:r>
-          </a:p>
-          <a:p>
-            <a:pPr lvl="2"/>
-            <a:r>
-              <a:rPr lang="en-US" dirty="0" smtClean="0"/>
-              <a:t>Eclipse @ IBM</a:t>
-            </a:r>
-          </a:p>
-          <a:p>
-            <a:pPr lvl="2"/>
-            <a:r>
-              <a:rPr lang="en-US" dirty="0" smtClean="0"/>
-              <a:t>Monaco @ Microsoft</a:t>
-            </a:r>
-          </a:p>
-          <a:p>
-            <a:r>
-              <a:rPr lang="en-US" dirty="0" smtClean="0"/>
-              <a:t>Launched at //Build/ conference on April 29</a:t>
+              <a:t>Launched on April 29</a:t>
             </a:r>
             <a:r>
               <a:rPr lang="en-US" baseline="30000" dirty="0" smtClean="0"/>
               <a:t>th</a:t>
             </a:r>
-            <a:endParaRPr lang="en-US" dirty="0" smtClean="0"/>
+            <a:r>
+              <a:rPr lang="en-US" dirty="0" smtClean="0"/>
+              <a:t> at </a:t>
+            </a:r>
+            <a:r>
+              <a:rPr lang="en-US" spc="-100" dirty="0" smtClean="0"/>
+              <a:t>//</a:t>
+            </a:r>
+            <a:r>
+              <a:rPr lang="en-US" dirty="0" smtClean="0"/>
+              <a:t>Build/ conference</a:t>
+            </a:r>
+          </a:p>
+          <a:p>
+            <a:r>
+              <a:rPr lang="en-US" dirty="0" smtClean="0"/>
+              <a:t>Preview release</a:t>
+            </a:r>
+          </a:p>
+          <a:p>
+            <a:pPr lvl="1"/>
+            <a:r>
+              <a:rPr lang="en-US" dirty="0" smtClean="0"/>
+              <a:t>Current = v0.9.2</a:t>
+            </a:r>
+          </a:p>
+          <a:p>
+            <a:r>
+              <a:rPr lang="en-US" dirty="0" smtClean="0"/>
+              <a:t>Free product</a:t>
+            </a:r>
           </a:p>
           <a:p>
             <a:r>
@@ -11299,9 +11360,23 @@
           </a:p>
           <a:p>
             <a:r>
-              <a:rPr lang="en-US" dirty="0" smtClean="0"/>
-              <a:t>Cross-platform</a:t>
-            </a:r>
+              <a:rPr lang="en-US" dirty="0"/>
+              <a:t>Microsoft’s 1</a:t>
+            </a:r>
+            <a:r>
+              <a:rPr lang="en-US" baseline="30000" dirty="0"/>
+              <a:t>st</a:t>
+            </a:r>
+            <a:r>
+              <a:rPr lang="en-US" dirty="0"/>
+              <a:t> cross-platform code editor</a:t>
+            </a:r>
+          </a:p>
+          <a:p>
+            <a:endParaRPr lang="en-US" dirty="0" smtClean="0"/>
+          </a:p>
+          <a:p>
+            <a:endParaRPr lang="en-US" dirty="0"/>
           </a:p>
         </p:txBody>
       </p:sp>
@@ -11330,13 +11405,13 @@
       </p:sp>
       <p:grpSp>
         <p:nvGrpSpPr>
-          <p:cNvPr id="13" name="Group 12"/>
+          <p:cNvPr id="9" name="Group 8"/>
           <p:cNvGrpSpPr/>
           <p:nvPr/>
         </p:nvGrpSpPr>
         <p:grpSpPr>
           <a:xfrm>
-            <a:off x="3317789" y="4990566"/>
+            <a:off x="3317789" y="4883886"/>
             <a:ext cx="3986665" cy="1280985"/>
             <a:chOff x="1159476" y="5307443"/>
             <a:chExt cx="3986665" cy="1280985"/>
@@ -11344,7 +11419,7 @@
         </p:grpSpPr>
         <p:pic>
           <p:nvPicPr>
-            <p:cNvPr id="8" name="Picture 7"/>
+            <p:cNvPr id="10" name="Picture 9"/>
             <p:cNvPicPr>
               <a:picLocks noChangeAspect="1"/>
             </p:cNvPicPr>
@@ -11436,7 +11511,251 @@
     </p:spTree>
     <p:extLst>
       <p:ext uri="{BB962C8B-B14F-4D97-AF65-F5344CB8AC3E}">
-        <p14:creationId xmlns:p14="http://schemas.microsoft.com/office/powerpoint/2010/main" val="513041702"/>
+        <p14:creationId xmlns:p14="http://schemas.microsoft.com/office/powerpoint/2010/main" val="453271340"/>
+      </p:ext>
+    </p:extLst>
+  </p:cSld>
+  <p:clrMapOvr>
+    <a:masterClrMapping/>
+  </p:clrMapOvr>
+  <mc:AlternateContent xmlns:mc="http://schemas.openxmlformats.org/markup-compatibility/2006" xmlns:p14="http://schemas.microsoft.com/office/powerpoint/2010/main">
+    <mc:Choice Requires="p14">
+      <p:transition p14:dur="250">
+        <p:fade/>
+      </p:transition>
+    </mc:Choice>
+    <mc:Fallback xmlns="">
+      <p:transition>
+        <p:fade/>
+      </p:transition>
+    </mc:Fallback>
+  </mc:AlternateContent>
+  <p:timing>
+    <p:tnLst>
+      <p:par>
+        <p:cTn id="1" dur="indefinite" restart="never" nodeType="tmRoot"/>
+      </p:par>
+    </p:tnLst>
+  </p:timing>
+</p:sld>
+</file>
+
+<file path=ppt/slides/slide30.xml><?xml version="1.0" encoding="utf-8"?>
+<p:sld xmlns:a="http://schemas.openxmlformats.org/drawingml/2006/main" xmlns:r="http://schemas.openxmlformats.org/officeDocument/2006/relationships" xmlns:p="http://schemas.openxmlformats.org/presentationml/2006/main">
+  <p:cSld>
+    <p:spTree>
+      <p:nvGrpSpPr>
+        <p:cNvPr id="1" name=""/>
+        <p:cNvGrpSpPr/>
+        <p:nvPr/>
+      </p:nvGrpSpPr>
+      <p:grpSpPr>
+        <a:xfrm>
+          <a:off x="0" y="0"/>
+          <a:ext cx="0" cy="0"/>
+          <a:chOff x="0" y="0"/>
+          <a:chExt cx="0" cy="0"/>
+        </a:xfrm>
+      </p:grpSpPr>
+      <p:pic>
+        <p:nvPicPr>
+          <p:cNvPr id="7" name="Picture 6"/>
+          <p:cNvPicPr>
+            <a:picLocks noChangeAspect="1"/>
+          </p:cNvPicPr>
+          <p:nvPr/>
+        </p:nvPicPr>
+        <p:blipFill>
+          <a:blip r:embed="rId2">
+            <a:extLst>
+              <a:ext uri="{28A0092B-C50C-407E-A947-70E740481C1C}">
+                <a14:useLocalDpi xmlns:a14="http://schemas.microsoft.com/office/drawing/2010/main" val="0"/>
+              </a:ext>
+            </a:extLst>
+          </a:blip>
+          <a:stretch>
+            <a:fillRect/>
+          </a:stretch>
+        </p:blipFill>
+        <p:spPr>
+          <a:xfrm>
+            <a:off x="498226" y="2223756"/>
+            <a:ext cx="4412634" cy="4412634"/>
+          </a:xfrm>
+          <a:prstGeom prst="rect">
+            <a:avLst/>
+          </a:prstGeom>
+        </p:spPr>
+      </p:pic>
+      <p:sp>
+        <p:nvSpPr>
+          <p:cNvPr id="2" name="Title 1"/>
+          <p:cNvSpPr>
+            <a:spLocks noGrp="1"/>
+          </p:cNvSpPr>
+          <p:nvPr>
+            <p:ph type="title"/>
+          </p:nvPr>
+        </p:nvSpPr>
+        <p:spPr/>
+        <p:txBody>
+          <a:bodyPr/>
+          <a:lstStyle/>
+          <a:p>
+            <a:r>
+              <a:rPr lang="en-US" dirty="0" smtClean="0"/>
+              <a:t>Resources</a:t>
+            </a:r>
+            <a:endParaRPr lang="en-US" dirty="0"/>
+          </a:p>
+        </p:txBody>
+      </p:sp>
+      <p:sp>
+        <p:nvSpPr>
+          <p:cNvPr id="3" name="Content Placeholder 2"/>
+          <p:cNvSpPr>
+            <a:spLocks noGrp="1"/>
+          </p:cNvSpPr>
+          <p:nvPr>
+            <p:ph sz="half" idx="1"/>
+          </p:nvPr>
+        </p:nvSpPr>
+        <p:spPr/>
+        <p:txBody>
+          <a:bodyPr/>
+          <a:lstStyle/>
+          <a:p>
+            <a:r>
+              <a:rPr lang="en-US" dirty="0" smtClean="0"/>
+              <a:t>Scan QR for slides:</a:t>
+            </a:r>
+          </a:p>
+        </p:txBody>
+      </p:sp>
+      <p:sp>
+        <p:nvSpPr>
+          <p:cNvPr id="6" name="Content Placeholder 5"/>
+          <p:cNvSpPr>
+            <a:spLocks noGrp="1"/>
+          </p:cNvSpPr>
+          <p:nvPr>
+            <p:ph sz="half" idx="2"/>
+          </p:nvPr>
+        </p:nvSpPr>
+        <p:spPr>
+          <a:xfrm>
+            <a:off x="4910860" y="2160589"/>
+            <a:ext cx="4184034" cy="3880773"/>
+          </a:xfrm>
+        </p:spPr>
+        <p:txBody>
+          <a:bodyPr/>
+          <a:lstStyle/>
+          <a:p>
+            <a:r>
+              <a:rPr lang="en-US" dirty="0" smtClean="0">
+                <a:hlinkClick r:id="rId3"/>
+              </a:rPr>
+              <a:t>Official VS Code website</a:t>
+            </a:r>
+            <a:endParaRPr lang="en-US" dirty="0" smtClean="0">
+              <a:hlinkClick r:id="rId4"/>
+            </a:endParaRPr>
+          </a:p>
+          <a:p>
+            <a:endParaRPr lang="en-US" dirty="0">
+              <a:hlinkClick r:id="rId4"/>
+            </a:endParaRPr>
+          </a:p>
+          <a:p>
+            <a:r>
+              <a:rPr lang="en-US" dirty="0" smtClean="0">
+                <a:hlinkClick r:id="rId5"/>
+              </a:rPr>
+              <a:t>VS Code Docs</a:t>
+            </a:r>
+            <a:endParaRPr lang="en-US" dirty="0" smtClean="0">
+              <a:hlinkClick r:id="rId4"/>
+            </a:endParaRPr>
+          </a:p>
+          <a:p>
+            <a:pPr marL="0" indent="0">
+              <a:buNone/>
+            </a:pPr>
+            <a:endParaRPr lang="en-US" dirty="0">
+              <a:hlinkClick r:id="rId4"/>
+            </a:endParaRPr>
+          </a:p>
+          <a:p>
+            <a:r>
+              <a:rPr lang="en-US" dirty="0" smtClean="0">
+                <a:hlinkClick r:id="rId6"/>
+              </a:rPr>
+              <a:t>Visual Studio Code</a:t>
+            </a:r>
+            <a:endParaRPr lang="en-US" dirty="0"/>
+          </a:p>
+          <a:p>
+            <a:pPr lvl="1"/>
+            <a:r>
+              <a:rPr lang="en-US" dirty="0"/>
+              <a:t>John Papa, Pluralsight </a:t>
+            </a:r>
+            <a:r>
+              <a:rPr lang="en-US" dirty="0" smtClean="0"/>
+              <a:t>course</a:t>
+            </a:r>
+          </a:p>
+          <a:p>
+            <a:pPr lvl="1"/>
+            <a:endParaRPr lang="en-US" dirty="0"/>
+          </a:p>
+          <a:p>
+            <a:r>
+              <a:rPr lang="en-US" dirty="0" smtClean="0">
+                <a:hlinkClick r:id="rId7"/>
+              </a:rPr>
+              <a:t>VS Code ES6 Sample Project</a:t>
+            </a:r>
+            <a:endParaRPr lang="en-US" dirty="0" smtClean="0"/>
+          </a:p>
+          <a:p>
+            <a:pPr lvl="1"/>
+            <a:r>
+              <a:rPr lang="en-US" dirty="0" smtClean="0"/>
+              <a:t>GitHub repo</a:t>
+            </a:r>
+            <a:endParaRPr lang="en-US" dirty="0"/>
+          </a:p>
+        </p:txBody>
+      </p:sp>
+      <p:sp>
+        <p:nvSpPr>
+          <p:cNvPr id="4" name="Slide Number Placeholder 3"/>
+          <p:cNvSpPr>
+            <a:spLocks noGrp="1"/>
+          </p:cNvSpPr>
+          <p:nvPr>
+            <p:ph type="sldNum" sz="quarter" idx="12"/>
+          </p:nvPr>
+        </p:nvSpPr>
+        <p:spPr/>
+        <p:txBody>
+          <a:bodyPr/>
+          <a:lstStyle/>
+          <a:p>
+            <a:fld id="{CA6404EB-EC22-4A9F-B979-51DB938C35B6}" type="slidenum">
+              <a:rPr lang="en-US" smtClean="0"/>
+              <a:t>30</a:t>
+            </a:fld>
+            <a:endParaRPr lang="en-US" dirty="0"/>
+          </a:p>
+        </p:txBody>
+      </p:sp>
+    </p:spTree>
+    <p:extLst>
+      <p:ext uri="{BB962C8B-B14F-4D97-AF65-F5344CB8AC3E}">
+        <p14:creationId xmlns:p14="http://schemas.microsoft.com/office/powerpoint/2010/main" val="3638115030"/>
       </p:ext>
     </p:extLst>
   </p:cSld>
@@ -11484,6 +11803,411 @@
       </p:grpSpPr>
       <p:sp>
         <p:nvSpPr>
+          <p:cNvPr id="6" name="Title 5"/>
+          <p:cNvSpPr>
+            <a:spLocks noGrp="1"/>
+          </p:cNvSpPr>
+          <p:nvPr>
+            <p:ph type="title"/>
+          </p:nvPr>
+        </p:nvSpPr>
+        <p:spPr/>
+        <p:txBody>
+          <a:bodyPr/>
+          <a:lstStyle/>
+          <a:p>
+            <a:r>
+              <a:rPr lang="en-US" dirty="0" smtClean="0"/>
+              <a:t>About VS Code</a:t>
+            </a:r>
+            <a:endParaRPr lang="en-US" dirty="0"/>
+          </a:p>
+        </p:txBody>
+      </p:sp>
+      <p:sp>
+        <p:nvSpPr>
+          <p:cNvPr id="7" name="Content Placeholder 6"/>
+          <p:cNvSpPr>
+            <a:spLocks noGrp="1"/>
+          </p:cNvSpPr>
+          <p:nvPr>
+            <p:ph idx="1"/>
+          </p:nvPr>
+        </p:nvSpPr>
+        <p:spPr/>
+        <p:txBody>
+          <a:bodyPr/>
+          <a:lstStyle/>
+          <a:p>
+            <a:r>
+              <a:rPr lang="en-US" dirty="0" smtClean="0"/>
+              <a:t>An editor, not an IDE</a:t>
+            </a:r>
+          </a:p>
+          <a:p>
+            <a:pPr lvl="1"/>
+            <a:r>
+              <a:rPr lang="en-US" dirty="0" smtClean="0"/>
+              <a:t>Based on GitHub’s </a:t>
+            </a:r>
+            <a:r>
+              <a:rPr lang="en-US" dirty="0" smtClean="0">
+                <a:hlinkClick r:id="rId2"/>
+              </a:rPr>
+              <a:t>Electron</a:t>
+            </a:r>
+            <a:r>
+              <a:rPr lang="en-US" dirty="0" smtClean="0"/>
+              <a:t> shell</a:t>
+            </a:r>
+          </a:p>
+          <a:p>
+            <a:pPr lvl="1"/>
+            <a:r>
+              <a:rPr lang="en-US" dirty="0" smtClean="0"/>
+              <a:t>Designed by engineers who created:</a:t>
+            </a:r>
+          </a:p>
+          <a:p>
+            <a:pPr lvl="2"/>
+            <a:r>
+              <a:rPr lang="en-US" dirty="0" smtClean="0"/>
+              <a:t>Eclipse @ IBM</a:t>
+            </a:r>
+          </a:p>
+          <a:p>
+            <a:pPr lvl="2"/>
+            <a:r>
+              <a:rPr lang="en-US" dirty="0" smtClean="0"/>
+              <a:t>Monaco @ Microsoft</a:t>
+            </a:r>
+          </a:p>
+          <a:p>
+            <a:endParaRPr lang="en-US" dirty="0" smtClean="0"/>
+          </a:p>
+          <a:p>
+            <a:r>
+              <a:rPr lang="en-US" dirty="0"/>
+              <a:t>Built with the 3 pillars of the web</a:t>
+            </a:r>
+          </a:p>
+        </p:txBody>
+      </p:sp>
+      <p:sp>
+        <p:nvSpPr>
+          <p:cNvPr id="5" name="Slide Number Placeholder 4"/>
+          <p:cNvSpPr>
+            <a:spLocks noGrp="1"/>
+          </p:cNvSpPr>
+          <p:nvPr>
+            <p:ph type="sldNum" sz="quarter" idx="12"/>
+          </p:nvPr>
+        </p:nvSpPr>
+        <p:spPr/>
+        <p:txBody>
+          <a:bodyPr/>
+          <a:lstStyle/>
+          <a:p>
+            <a:fld id="{CA6404EB-EC22-4A9F-B979-51DB938C35B6}" type="slidenum">
+              <a:rPr lang="en-US" smtClean="0"/>
+              <a:t>4</a:t>
+            </a:fld>
+            <a:endParaRPr lang="en-US" dirty="0"/>
+          </a:p>
+        </p:txBody>
+      </p:sp>
+      <p:pic>
+        <p:nvPicPr>
+          <p:cNvPr id="9" name="Picture 8"/>
+          <p:cNvPicPr>
+            <a:picLocks noChangeAspect="1"/>
+          </p:cNvPicPr>
+          <p:nvPr/>
+        </p:nvPicPr>
+        <p:blipFill>
+          <a:blip r:embed="rId3" cstate="print">
+            <a:extLst>
+              <a:ext uri="{28A0092B-C50C-407E-A947-70E740481C1C}">
+                <a14:useLocalDpi xmlns:a14="http://schemas.microsoft.com/office/drawing/2010/main" val="0"/>
+              </a:ext>
+            </a:extLst>
+          </a:blip>
+          <a:stretch>
+            <a:fillRect/>
+          </a:stretch>
+        </p:blipFill>
+        <p:spPr>
+          <a:xfrm>
+            <a:off x="5196840" y="4371868"/>
+            <a:ext cx="1675920" cy="1783159"/>
+          </a:xfrm>
+          <a:prstGeom prst="rect">
+            <a:avLst/>
+          </a:prstGeom>
+        </p:spPr>
+      </p:pic>
+    </p:spTree>
+    <p:extLst>
+      <p:ext uri="{BB962C8B-B14F-4D97-AF65-F5344CB8AC3E}">
+        <p14:creationId xmlns:p14="http://schemas.microsoft.com/office/powerpoint/2010/main" val="513041702"/>
+      </p:ext>
+    </p:extLst>
+  </p:cSld>
+  <p:clrMapOvr>
+    <a:masterClrMapping/>
+  </p:clrMapOvr>
+  <mc:AlternateContent xmlns:mc="http://schemas.openxmlformats.org/markup-compatibility/2006" xmlns:p14="http://schemas.microsoft.com/office/powerpoint/2010/main">
+    <mc:Choice Requires="p14">
+      <p:transition p14:dur="250">
+        <p:fade/>
+      </p:transition>
+    </mc:Choice>
+    <mc:Fallback xmlns="">
+      <p:transition>
+        <p:fade/>
+      </p:transition>
+    </mc:Fallback>
+  </mc:AlternateContent>
+  <p:timing>
+    <p:tnLst>
+      <p:par>
+        <p:cTn id="1" dur="indefinite" restart="never" nodeType="tmRoot"/>
+      </p:par>
+    </p:tnLst>
+  </p:timing>
+</p:sld>
+</file>
+
+<file path=ppt/slides/slide5.xml><?xml version="1.0" encoding="utf-8"?>
+<p:sld xmlns:a="http://schemas.openxmlformats.org/drawingml/2006/main" xmlns:r="http://schemas.openxmlformats.org/officeDocument/2006/relationships" xmlns:p="http://schemas.openxmlformats.org/presentationml/2006/main">
+  <p:cSld>
+    <p:spTree>
+      <p:nvGrpSpPr>
+        <p:cNvPr id="1" name=""/>
+        <p:cNvGrpSpPr/>
+        <p:nvPr/>
+      </p:nvGrpSpPr>
+      <p:grpSpPr>
+        <a:xfrm>
+          <a:off x="0" y="0"/>
+          <a:ext cx="0" cy="0"/>
+          <a:chOff x="0" y="0"/>
+          <a:chExt cx="0" cy="0"/>
+        </a:xfrm>
+      </p:grpSpPr>
+      <p:sp>
+        <p:nvSpPr>
+          <p:cNvPr id="8" name="Title 7"/>
+          <p:cNvSpPr>
+            <a:spLocks noGrp="1"/>
+          </p:cNvSpPr>
+          <p:nvPr>
+            <p:ph type="title"/>
+          </p:nvPr>
+        </p:nvSpPr>
+        <p:spPr/>
+        <p:txBody>
+          <a:bodyPr>
+            <a:normAutofit/>
+          </a:bodyPr>
+          <a:lstStyle/>
+          <a:p>
+            <a:r>
+              <a:rPr lang="en-US" dirty="0" smtClean="0"/>
+              <a:t>Instead of making them [Linux and Mac developers] go to Windows, we want to meet them where they are.</a:t>
+            </a:r>
+            <a:endParaRPr lang="en-US" dirty="0"/>
+          </a:p>
+        </p:txBody>
+      </p:sp>
+      <p:sp>
+        <p:nvSpPr>
+          <p:cNvPr id="10" name="Text Placeholder 9"/>
+          <p:cNvSpPr>
+            <a:spLocks noGrp="1"/>
+          </p:cNvSpPr>
+          <p:nvPr>
+            <p:ph type="body" sz="quarter" idx="13"/>
+          </p:nvPr>
+        </p:nvSpPr>
+        <p:spPr/>
+        <p:txBody>
+          <a:bodyPr/>
+          <a:lstStyle/>
+          <a:p>
+            <a:r>
+              <a:rPr lang="en-US" i="1" dirty="0" smtClean="0"/>
+              <a:t>S. “Soma” </a:t>
+            </a:r>
+            <a:r>
+              <a:rPr lang="en-US" i="1" dirty="0" err="1" smtClean="0"/>
+              <a:t>Somasegar</a:t>
+            </a:r>
+            <a:r>
+              <a:rPr lang="en-US" i="1" dirty="0" smtClean="0"/>
+              <a:t> – Microsoft - Corporate VP of Developer Division</a:t>
+            </a:r>
+            <a:endParaRPr lang="en-US" i="1" dirty="0"/>
+          </a:p>
+        </p:txBody>
+      </p:sp>
+      <p:sp>
+        <p:nvSpPr>
+          <p:cNvPr id="9" name="Text Placeholder 8"/>
+          <p:cNvSpPr>
+            <a:spLocks noGrp="1"/>
+          </p:cNvSpPr>
+          <p:nvPr>
+            <p:ph type="body" idx="1"/>
+          </p:nvPr>
+        </p:nvSpPr>
+        <p:spPr/>
+        <p:txBody>
+          <a:bodyPr/>
+          <a:lstStyle/>
+          <a:p>
+            <a:endParaRPr lang="en-US" dirty="0" smtClean="0"/>
+          </a:p>
+          <a:p>
+            <a:endParaRPr lang="en-US" dirty="0"/>
+          </a:p>
+          <a:p>
+            <a:endParaRPr lang="en-US" dirty="0" smtClean="0"/>
+          </a:p>
+          <a:p>
+            <a:r>
+              <a:rPr lang="en-US" sz="1400" dirty="0" smtClean="0"/>
+              <a:t>Quote </a:t>
+            </a:r>
+            <a:r>
+              <a:rPr lang="en-US" sz="1400" dirty="0"/>
+              <a:t>retrieved from </a:t>
+            </a:r>
+            <a:r>
+              <a:rPr lang="en-US" sz="1400" dirty="0">
+                <a:hlinkClick r:id="rId2"/>
+              </a:rPr>
+              <a:t>http://tcrn.ch/1PwSw1r</a:t>
+            </a:r>
+            <a:endParaRPr lang="en-US" sz="1400" dirty="0"/>
+          </a:p>
+        </p:txBody>
+      </p:sp>
+      <p:sp>
+        <p:nvSpPr>
+          <p:cNvPr id="5" name="Slide Number Placeholder 4"/>
+          <p:cNvSpPr>
+            <a:spLocks noGrp="1"/>
+          </p:cNvSpPr>
+          <p:nvPr>
+            <p:ph type="sldNum" sz="quarter" idx="12"/>
+          </p:nvPr>
+        </p:nvSpPr>
+        <p:spPr/>
+        <p:txBody>
+          <a:bodyPr/>
+          <a:lstStyle/>
+          <a:p>
+            <a:fld id="{CA6404EB-EC22-4A9F-B979-51DB938C35B6}" type="slidenum">
+              <a:rPr lang="en-US" smtClean="0"/>
+              <a:t>5</a:t>
+            </a:fld>
+            <a:endParaRPr lang="en-US" dirty="0"/>
+          </a:p>
+        </p:txBody>
+      </p:sp>
+      <p:pic>
+        <p:nvPicPr>
+          <p:cNvPr id="2050" name="Picture 2" descr="https://pbs.twimg.com/profile_images/542029974580895744/lEavHB-C.jpeg"/>
+          <p:cNvPicPr>
+            <a:picLocks noChangeAspect="1" noChangeArrowheads="1"/>
+          </p:cNvPicPr>
+          <p:nvPr/>
+        </p:nvPicPr>
+        <p:blipFill>
+          <a:blip r:embed="rId3">
+            <a:extLst>
+              <a:ext uri="{28A0092B-C50C-407E-A947-70E740481C1C}">
+                <a14:useLocalDpi xmlns:a14="http://schemas.microsoft.com/office/drawing/2010/main" val="0"/>
+              </a:ext>
+            </a:extLst>
+          </a:blip>
+          <a:srcRect/>
+          <a:stretch>
+            <a:fillRect/>
+          </a:stretch>
+        </p:blipFill>
+        <p:spPr bwMode="auto">
+          <a:xfrm>
+            <a:off x="8075270" y="3268980"/>
+            <a:ext cx="3267075" cy="3267075"/>
+          </a:xfrm>
+          <a:prstGeom prst="rect">
+            <a:avLst/>
+          </a:prstGeom>
+          <a:noFill/>
+          <a:extLst>
+            <a:ext uri="{909E8E84-426E-40DD-AFC4-6F175D3DCCD1}">
+              <a14:hiddenFill xmlns:a14="http://schemas.microsoft.com/office/drawing/2010/main">
+                <a:solidFill>
+                  <a:srgbClr val="FFFFFF"/>
+                </a:solidFill>
+              </a14:hiddenFill>
+            </a:ext>
+          </a:extLst>
+        </p:spPr>
+      </p:pic>
+    </p:spTree>
+    <p:extLst>
+      <p:ext uri="{BB962C8B-B14F-4D97-AF65-F5344CB8AC3E}">
+        <p14:creationId xmlns:p14="http://schemas.microsoft.com/office/powerpoint/2010/main" val="1538010593"/>
+      </p:ext>
+    </p:extLst>
+  </p:cSld>
+  <p:clrMapOvr>
+    <a:masterClrMapping/>
+  </p:clrMapOvr>
+  <mc:AlternateContent xmlns:mc="http://schemas.openxmlformats.org/markup-compatibility/2006" xmlns:p14="http://schemas.microsoft.com/office/powerpoint/2010/main">
+    <mc:Choice Requires="p14">
+      <p:transition p14:dur="250">
+        <p:fade/>
+      </p:transition>
+    </mc:Choice>
+    <mc:Fallback xmlns="">
+      <p:transition>
+        <p:fade/>
+      </p:transition>
+    </mc:Fallback>
+  </mc:AlternateContent>
+  <p:timing>
+    <p:tnLst>
+      <p:par>
+        <p:cTn id="1" dur="indefinite" restart="never" nodeType="tmRoot"/>
+      </p:par>
+    </p:tnLst>
+  </p:timing>
+</p:sld>
+</file>
+
+<file path=ppt/slides/slide6.xml><?xml version="1.0" encoding="utf-8"?>
+<p:sld xmlns:a="http://schemas.openxmlformats.org/drawingml/2006/main" xmlns:r="http://schemas.openxmlformats.org/officeDocument/2006/relationships" xmlns:p="http://schemas.openxmlformats.org/presentationml/2006/main">
+  <p:cSld>
+    <p:spTree>
+      <p:nvGrpSpPr>
+        <p:cNvPr id="1" name=""/>
+        <p:cNvGrpSpPr/>
+        <p:nvPr/>
+      </p:nvGrpSpPr>
+      <p:grpSpPr>
+        <a:xfrm>
+          <a:off x="0" y="0"/>
+          <a:ext cx="0" cy="0"/>
+          <a:chOff x="0" y="0"/>
+          <a:chExt cx="0" cy="0"/>
+        </a:xfrm>
+      </p:grpSpPr>
+      <p:sp>
+        <p:nvSpPr>
           <p:cNvPr id="2" name="Title 1"/>
           <p:cNvSpPr>
             <a:spLocks noGrp="1"/>
@@ -11544,7 +12268,7 @@
           <a:p>
             <a:fld id="{CA6404EB-EC22-4A9F-B979-51DB938C35B6}" type="slidenum">
               <a:rPr lang="en-US" smtClean="0"/>
-              <a:t>4</a:t>
+              <a:t>6</a:t>
             </a:fld>
             <a:endParaRPr lang="en-US" dirty="0"/>
           </a:p>
@@ -12560,6 +13284,51 @@
                       </p:childTnLst>
                     </p:cTn>
                   </p:par>
+                  <p:par>
+                    <p:cTn id="27" fill="hold">
+                      <p:stCondLst>
+                        <p:cond delay="indefinite"/>
+                      </p:stCondLst>
+                      <p:childTnLst>
+                        <p:par>
+                          <p:cTn id="28" fill="hold">
+                            <p:stCondLst>
+                              <p:cond delay="0"/>
+                            </p:stCondLst>
+                            <p:childTnLst>
+                              <p:par>
+                                <p:cTn id="29" presetID="1" presetClass="entr" presetSubtype="0" fill="hold" nodeType="clickEffect">
+                                  <p:stCondLst>
+                                    <p:cond delay="0"/>
+                                  </p:stCondLst>
+                                  <p:childTnLst>
+                                    <p:set>
+                                      <p:cBhvr>
+                                        <p:cTn id="30" dur="1" fill="hold">
+                                          <p:stCondLst>
+                                            <p:cond delay="0"/>
+                                          </p:stCondLst>
+                                        </p:cTn>
+                                        <p:tgtEl>
+                                          <p:spTgt spid="5"/>
+                                        </p:tgtEl>
+                                        <p:attrNameLst>
+                                          <p:attrName>style.visibility</p:attrName>
+                                        </p:attrNameLst>
+                                      </p:cBhvr>
+                                      <p:to>
+                                        <p:strVal val="visible"/>
+                                      </p:to>
+                                    </p:set>
+                                  </p:childTnLst>
+                                </p:cTn>
+                              </p:par>
+                            </p:childTnLst>
+                          </p:cTn>
+                        </p:par>
+                      </p:childTnLst>
+                    </p:cTn>
+                  </p:par>
                 </p:childTnLst>
               </p:cTn>
               <p:prevCondLst>
@@ -12585,7 +13354,7 @@
 </p:sld>
 </file>
 
-<file path=ppt/slides/slide5.xml><?xml version="1.0" encoding="utf-8"?>
+<file path=ppt/slides/slide7.xml><?xml version="1.0" encoding="utf-8"?>
 <p:sld xmlns:a="http://schemas.openxmlformats.org/drawingml/2006/main" xmlns:r="http://schemas.openxmlformats.org/officeDocument/2006/relationships" xmlns:p="http://schemas.openxmlformats.org/presentationml/2006/main">
   <p:cSld>
     <p:spTree>
@@ -12674,7 +13443,7 @@
           <a:p>
             <a:fld id="{CA6404EB-EC22-4A9F-B979-51DB938C35B6}" type="slidenum">
               <a:rPr lang="en-US" smtClean="0"/>
-              <a:t>5</a:t>
+              <a:t>7</a:t>
             </a:fld>
             <a:endParaRPr lang="en-US" dirty="0"/>
           </a:p>
@@ -13028,7 +13797,7 @@
 </p:sld>
 </file>
 
-<file path=ppt/slides/slide6.xml><?xml version="1.0" encoding="utf-8"?>
+<file path=ppt/slides/slide8.xml><?xml version="1.0" encoding="utf-8"?>
 <p:sld xmlns:a="http://schemas.openxmlformats.org/drawingml/2006/main" xmlns:r="http://schemas.openxmlformats.org/officeDocument/2006/relationships" xmlns:p="http://schemas.openxmlformats.org/presentationml/2006/main">
   <p:cSld>
     <p:spTree>
@@ -13140,7 +13909,7 @@
           <a:p>
             <a:fld id="{CA6404EB-EC22-4A9F-B979-51DB938C35B6}" type="slidenum">
               <a:rPr lang="en-US" smtClean="0"/>
-              <a:t>6</a:t>
+              <a:t>8</a:t>
             </a:fld>
             <a:endParaRPr lang="en-US" dirty="0"/>
           </a:p>
@@ -13178,7 +13947,7 @@
 </p:sld>
 </file>
 
-<file path=ppt/slides/slide7.xml><?xml version="1.0" encoding="utf-8"?>
+<file path=ppt/slides/slide9.xml><?xml version="1.0" encoding="utf-8"?>
 <p:sld xmlns:a="http://schemas.openxmlformats.org/drawingml/2006/main" xmlns:r="http://schemas.openxmlformats.org/officeDocument/2006/relationships" xmlns:p="http://schemas.openxmlformats.org/presentationml/2006/main">
   <p:cSld>
     <p:spTree>
@@ -13290,7 +14059,7 @@
           <a:p>
             <a:fld id="{CA6404EB-EC22-4A9F-B979-51DB938C35B6}" type="slidenum">
               <a:rPr lang="en-US" smtClean="0"/>
-              <a:t>7</a:t>
+              <a:t>9</a:t>
             </a:fld>
             <a:endParaRPr lang="en-US" dirty="0"/>
           </a:p>
@@ -13300,306 +14069,6 @@
     <p:extLst>
       <p:ext uri="{BB962C8B-B14F-4D97-AF65-F5344CB8AC3E}">
         <p14:creationId xmlns:p14="http://schemas.microsoft.com/office/powerpoint/2010/main" val="662507143"/>
-      </p:ext>
-    </p:extLst>
-  </p:cSld>
-  <p:clrMapOvr>
-    <a:masterClrMapping/>
-  </p:clrMapOvr>
-  <mc:AlternateContent xmlns:mc="http://schemas.openxmlformats.org/markup-compatibility/2006" xmlns:p14="http://schemas.microsoft.com/office/powerpoint/2010/main">
-    <mc:Choice Requires="p14">
-      <p:transition p14:dur="250">
-        <p:fade/>
-      </p:transition>
-    </mc:Choice>
-    <mc:Fallback xmlns="">
-      <p:transition>
-        <p:fade/>
-      </p:transition>
-    </mc:Fallback>
-  </mc:AlternateContent>
-  <p:timing>
-    <p:tnLst>
-      <p:par>
-        <p:cTn id="1" dur="indefinite" restart="never" nodeType="tmRoot"/>
-      </p:par>
-    </p:tnLst>
-  </p:timing>
-</p:sld>
-</file>
-
-<file path=ppt/slides/slide8.xml><?xml version="1.0" encoding="utf-8"?>
-<p:sld xmlns:a="http://schemas.openxmlformats.org/drawingml/2006/main" xmlns:r="http://schemas.openxmlformats.org/officeDocument/2006/relationships" xmlns:p="http://schemas.openxmlformats.org/presentationml/2006/main">
-  <p:cSld>
-    <p:spTree>
-      <p:nvGrpSpPr>
-        <p:cNvPr id="1" name=""/>
-        <p:cNvGrpSpPr/>
-        <p:nvPr/>
-      </p:nvGrpSpPr>
-      <p:grpSpPr>
-        <a:xfrm>
-          <a:off x="0" y="0"/>
-          <a:ext cx="0" cy="0"/>
-          <a:chOff x="0" y="0"/>
-          <a:chExt cx="0" cy="0"/>
-        </a:xfrm>
-      </p:grpSpPr>
-      <p:sp>
-        <p:nvSpPr>
-          <p:cNvPr id="2" name="Title 1"/>
-          <p:cNvSpPr>
-            <a:spLocks noGrp="1"/>
-          </p:cNvSpPr>
-          <p:nvPr>
-            <p:ph type="title"/>
-          </p:nvPr>
-        </p:nvSpPr>
-        <p:spPr/>
-        <p:txBody>
-          <a:bodyPr/>
-          <a:lstStyle/>
-          <a:p>
-            <a:r>
-              <a:rPr lang="en-US" dirty="0" smtClean="0"/>
-              <a:t>3. settings.json</a:t>
-            </a:r>
-            <a:endParaRPr lang="en-US" dirty="0"/>
-          </a:p>
-        </p:txBody>
-      </p:sp>
-      <mc:AlternateContent xmlns:mc="http://schemas.openxmlformats.org/markup-compatibility/2006">
-        <mc:Choice xmlns:we="http://schemas.microsoft.com/office/webextensions/webextension/2010/11" xmlns:pca="http://schemas.microsoft.com/office/powerpoint/2013/contentapp" Requires="we pca">
-          <p:graphicFrame>
-            <p:nvGraphicFramePr>
-              <p:cNvPr id="5" name="Content Placeholder 4" title="Code Presenter Pro"/>
-              <p:cNvGraphicFramePr>
-                <a:graphicFrameLocks noGrp="1"/>
-              </p:cNvGraphicFramePr>
-              <p:nvPr>
-                <p:ph idx="1"/>
-                <p:extLst>
-                  <p:ext uri="{D42A27DB-BD31-4B8C-83A1-F6EECF244321}">
-                    <p14:modId xmlns:p14="http://schemas.microsoft.com/office/powerpoint/2010/main" val="1903690342"/>
-                  </p:ext>
-                </p:extLst>
-              </p:nvPr>
-            </p:nvGraphicFramePr>
-            <p:xfrm>
-              <a:off x="677863" y="2160588"/>
-              <a:ext cx="8596312" cy="3881437"/>
-            </p:xfrm>
-            <a:graphic>
-              <a:graphicData uri="http://schemas.microsoft.com/office/webextensions/webextension/2010/11">
-                <we:webextensionref xmlns:we="http://schemas.microsoft.com/office/webextensions/webextension/2010/11" xmlns:r="http://schemas.openxmlformats.org/officeDocument/2006/relationships" r:id="rId2"/>
-              </a:graphicData>
-            </a:graphic>
-          </p:graphicFrame>
-        </mc:Choice>
-        <mc:Fallback>
-          <p:pic>
-            <p:nvPicPr>
-              <p:cNvPr id="5" name="Content Placeholder 4" title="Code Presenter Pro"/>
-              <p:cNvPicPr>
-                <a:picLocks noGrp="1" noRot="1" noChangeAspect="1" noMove="1" noResize="1" noEditPoints="1" noAdjustHandles="1" noChangeArrowheads="1" noChangeShapeType="1"/>
-              </p:cNvPicPr>
-              <p:nvPr/>
-            </p:nvPicPr>
-            <p:blipFill>
-              <a:blip r:embed="rId3"/>
-              <a:stretch>
-                <a:fillRect/>
-              </a:stretch>
-            </p:blipFill>
-            <p:spPr>
-              <a:xfrm>
-                <a:off x="677863" y="2160588"/>
-                <a:ext cx="8596312" cy="3881437"/>
-              </a:xfrm>
-              <a:prstGeom prst="rect">
-                <a:avLst/>
-              </a:prstGeom>
-            </p:spPr>
-          </p:pic>
-        </mc:Fallback>
-      </mc:AlternateContent>
-      <p:sp>
-        <p:nvSpPr>
-          <p:cNvPr id="4" name="Slide Number Placeholder 3"/>
-          <p:cNvSpPr>
-            <a:spLocks noGrp="1"/>
-          </p:cNvSpPr>
-          <p:nvPr>
-            <p:ph type="sldNum" sz="quarter" idx="12"/>
-          </p:nvPr>
-        </p:nvSpPr>
-        <p:spPr/>
-        <p:txBody>
-          <a:bodyPr/>
-          <a:lstStyle/>
-          <a:p>
-            <a:fld id="{CA6404EB-EC22-4A9F-B979-51DB938C35B6}" type="slidenum">
-              <a:rPr lang="en-US" smtClean="0"/>
-              <a:t>8</a:t>
-            </a:fld>
-            <a:endParaRPr lang="en-US" dirty="0"/>
-          </a:p>
-        </p:txBody>
-      </p:sp>
-    </p:spTree>
-    <p:extLst>
-      <p:ext uri="{BB962C8B-B14F-4D97-AF65-F5344CB8AC3E}">
-        <p14:creationId xmlns:p14="http://schemas.microsoft.com/office/powerpoint/2010/main" val="1103836665"/>
-      </p:ext>
-    </p:extLst>
-  </p:cSld>
-  <p:clrMapOvr>
-    <a:masterClrMapping/>
-  </p:clrMapOvr>
-  <mc:AlternateContent xmlns:mc="http://schemas.openxmlformats.org/markup-compatibility/2006" xmlns:p14="http://schemas.microsoft.com/office/powerpoint/2010/main">
-    <mc:Choice Requires="p14">
-      <p:transition p14:dur="250">
-        <p:fade/>
-      </p:transition>
-    </mc:Choice>
-    <mc:Fallback xmlns="">
-      <p:transition>
-        <p:fade/>
-      </p:transition>
-    </mc:Fallback>
-  </mc:AlternateContent>
-  <p:timing>
-    <p:tnLst>
-      <p:par>
-        <p:cTn id="1" dur="indefinite" restart="never" nodeType="tmRoot"/>
-      </p:par>
-    </p:tnLst>
-  </p:timing>
-</p:sld>
-</file>
-
-<file path=ppt/slides/slide9.xml><?xml version="1.0" encoding="utf-8"?>
-<p:sld xmlns:a="http://schemas.openxmlformats.org/drawingml/2006/main" xmlns:r="http://schemas.openxmlformats.org/officeDocument/2006/relationships" xmlns:p="http://schemas.openxmlformats.org/presentationml/2006/main">
-  <p:cSld>
-    <p:spTree>
-      <p:nvGrpSpPr>
-        <p:cNvPr id="1" name=""/>
-        <p:cNvGrpSpPr/>
-        <p:nvPr/>
-      </p:nvGrpSpPr>
-      <p:grpSpPr>
-        <a:xfrm>
-          <a:off x="0" y="0"/>
-          <a:ext cx="0" cy="0"/>
-          <a:chOff x="0" y="0"/>
-          <a:chExt cx="0" cy="0"/>
-        </a:xfrm>
-      </p:grpSpPr>
-      <p:sp>
-        <p:nvSpPr>
-          <p:cNvPr id="2" name="Title 1"/>
-          <p:cNvSpPr>
-            <a:spLocks noGrp="1"/>
-          </p:cNvSpPr>
-          <p:nvPr>
-            <p:ph type="title"/>
-          </p:nvPr>
-        </p:nvSpPr>
-        <p:spPr/>
-        <p:txBody>
-          <a:bodyPr/>
-          <a:lstStyle/>
-          <a:p>
-            <a:r>
-              <a:rPr lang="en-US" dirty="0" smtClean="0"/>
-              <a:t>4. tasks.json</a:t>
-            </a:r>
-            <a:endParaRPr lang="en-US" dirty="0"/>
-          </a:p>
-        </p:txBody>
-      </p:sp>
-      <mc:AlternateContent xmlns:mc="http://schemas.openxmlformats.org/markup-compatibility/2006">
-        <mc:Choice xmlns:we="http://schemas.microsoft.com/office/webextensions/webextension/2010/11" xmlns:pca="http://schemas.microsoft.com/office/powerpoint/2013/contentapp" Requires="we pca">
-          <p:graphicFrame>
-            <p:nvGraphicFramePr>
-              <p:cNvPr id="5" name="Content Placeholder 4" title="Code Presenter Pro"/>
-              <p:cNvGraphicFramePr>
-                <a:graphicFrameLocks noGrp="1"/>
-              </p:cNvGraphicFramePr>
-              <p:nvPr>
-                <p:ph idx="1"/>
-                <p:extLst>
-                  <p:ext uri="{D42A27DB-BD31-4B8C-83A1-F6EECF244321}">
-                    <p14:modId xmlns:p14="http://schemas.microsoft.com/office/powerpoint/2010/main" val="4017236781"/>
-                  </p:ext>
-                </p:extLst>
-              </p:nvPr>
-            </p:nvGraphicFramePr>
-            <p:xfrm>
-              <a:off x="677863" y="2160588"/>
-              <a:ext cx="8596312" cy="3881437"/>
-            </p:xfrm>
-            <a:graphic>
-              <a:graphicData uri="http://schemas.microsoft.com/office/webextensions/webextension/2010/11">
-                <we:webextensionref xmlns:we="http://schemas.microsoft.com/office/webextensions/webextension/2010/11" xmlns:r="http://schemas.openxmlformats.org/officeDocument/2006/relationships" r:id="rId2"/>
-              </a:graphicData>
-            </a:graphic>
-          </p:graphicFrame>
-        </mc:Choice>
-        <mc:Fallback>
-          <p:pic>
-            <p:nvPicPr>
-              <p:cNvPr id="5" name="Content Placeholder 4" title="Code Presenter Pro"/>
-              <p:cNvPicPr>
-                <a:picLocks noGrp="1" noRot="1" noChangeAspect="1" noMove="1" noResize="1" noEditPoints="1" noAdjustHandles="1" noChangeArrowheads="1" noChangeShapeType="1"/>
-              </p:cNvPicPr>
-              <p:nvPr/>
-            </p:nvPicPr>
-            <p:blipFill>
-              <a:blip r:embed="rId3"/>
-              <a:stretch>
-                <a:fillRect/>
-              </a:stretch>
-            </p:blipFill>
-            <p:spPr>
-              <a:xfrm>
-                <a:off x="677863" y="2160588"/>
-                <a:ext cx="8596312" cy="3881437"/>
-              </a:xfrm>
-              <a:prstGeom prst="rect">
-                <a:avLst/>
-              </a:prstGeom>
-            </p:spPr>
-          </p:pic>
-        </mc:Fallback>
-      </mc:AlternateContent>
-      <p:sp>
-        <p:nvSpPr>
-          <p:cNvPr id="4" name="Slide Number Placeholder 3"/>
-          <p:cNvSpPr>
-            <a:spLocks noGrp="1"/>
-          </p:cNvSpPr>
-          <p:nvPr>
-            <p:ph type="sldNum" sz="quarter" idx="12"/>
-          </p:nvPr>
-        </p:nvSpPr>
-        <p:spPr/>
-        <p:txBody>
-          <a:bodyPr/>
-          <a:lstStyle/>
-          <a:p>
-            <a:fld id="{CA6404EB-EC22-4A9F-B979-51DB938C35B6}" type="slidenum">
-              <a:rPr lang="en-US" smtClean="0"/>
-              <a:t>9</a:t>
-            </a:fld>
-            <a:endParaRPr lang="en-US" dirty="0"/>
-          </a:p>
-        </p:txBody>
-      </p:sp>
-    </p:spTree>
-    <p:extLst>
-      <p:ext uri="{BB962C8B-B14F-4D97-AF65-F5344CB8AC3E}">
-        <p14:creationId xmlns:p14="http://schemas.microsoft.com/office/powerpoint/2010/main" val="2534094526"/>
       </p:ext>
     </p:extLst>
   </p:cSld>

--- a/Intro to JavaScript Tooling in VS Code.pptx
+++ b/Intro to JavaScript Tooling in VS Code.pptx
@@ -138,7 +138,7 @@
   </p:defaultTextStyle>
   <p:extLst>
     <p:ext uri="{EFAFB233-063F-42B5-8137-9DF3F51BA10A}">
-      <p15:sldGuideLst xmlns:p15="http://schemas.microsoft.com/office/powerpoint/2012/main">
+      <p15:sldGuideLst xmlns:p15="http://schemas.microsoft.com/office/powerpoint/2012/main" xmlns="">
         <p15:guide id="1" orient="horz" pos="2160">
           <p15:clr>
             <a:srgbClr val="A4A3A4"/>
@@ -237,7 +237,7 @@
           <a:p>
             <a:fld id="{669E24BE-8A14-406C-93AE-FEDF4702362B}" type="datetimeFigureOut">
               <a:rPr lang="en-US" smtClean="0"/>
-              <a:t>11/8/2015</a:t>
+              <a:t>11/9/2015</a:t>
             </a:fld>
             <a:endParaRPr lang="en-US" dirty="0"/>
           </a:p>
@@ -1311,7 +1311,7 @@
           <a:p>
             <a:fld id="{8008D7A7-D1E9-49FE-B288-75D755D02F1B}" type="datetime1">
               <a:rPr lang="en-US" smtClean="0"/>
-              <a:t>11/8/2015</a:t>
+              <a:t>11/9/2015</a:t>
             </a:fld>
             <a:endParaRPr lang="en-US" dirty="0"/>
           </a:p>
@@ -1574,7 +1574,7 @@
           <a:p>
             <a:fld id="{565130A9-CCEE-4E49-AF50-9A9178C093F5}" type="datetime1">
               <a:rPr lang="en-US" smtClean="0"/>
-              <a:t>11/8/2015</a:t>
+              <a:t>11/9/2015</a:t>
             </a:fld>
             <a:endParaRPr lang="en-US" dirty="0"/>
           </a:p>
@@ -1900,7 +1900,7 @@
           <a:p>
             <a:fld id="{5FFEE7F5-B2E5-489A-976D-734D7F853DE3}" type="datetime1">
               <a:rPr lang="en-US" smtClean="0"/>
-              <a:t>11/8/2015</a:t>
+              <a:t>11/9/2015</a:t>
             </a:fld>
             <a:endParaRPr lang="en-US" dirty="0"/>
           </a:p>
@@ -2253,7 +2253,7 @@
           <a:p>
             <a:fld id="{1DDC5727-5F18-4B62-81B5-C092F8CCA971}" type="datetime1">
               <a:rPr lang="en-US" smtClean="0"/>
-              <a:t>11/8/2015</a:t>
+              <a:t>11/9/2015</a:t>
             </a:fld>
             <a:endParaRPr lang="en-US" dirty="0"/>
           </a:p>
@@ -2579,7 +2579,7 @@
           <a:p>
             <a:fld id="{DD7596D5-BBCA-4EE5-AC34-2F838BA68892}" type="datetime1">
               <a:rPr lang="en-US" smtClean="0"/>
-              <a:t>11/8/2015</a:t>
+              <a:t>11/9/2015</a:t>
             </a:fld>
             <a:endParaRPr lang="en-US" dirty="0"/>
           </a:p>
@@ -2984,7 +2984,7 @@
           <a:p>
             <a:fld id="{C87E594A-105F-4330-BE78-40BFD5E05FF3}" type="datetime1">
               <a:rPr lang="en-US" smtClean="0"/>
-              <a:t>11/8/2015</a:t>
+              <a:t>11/9/2015</a:t>
             </a:fld>
             <a:endParaRPr lang="en-US" dirty="0"/>
           </a:p>
@@ -3166,7 +3166,7 @@
           <a:p>
             <a:fld id="{50DAB467-0635-440B-9BC4-DA322DD73B70}" type="datetime1">
               <a:rPr lang="en-US" smtClean="0"/>
-              <a:t>11/8/2015</a:t>
+              <a:t>11/9/2015</a:t>
             </a:fld>
             <a:endParaRPr lang="en-US" dirty="0"/>
           </a:p>
@@ -3358,7 +3358,7 @@
           <a:p>
             <a:fld id="{5E48D92D-E3A5-4B10-B1FC-D041F161170C}" type="datetime1">
               <a:rPr lang="en-US" smtClean="0"/>
-              <a:t>11/8/2015</a:t>
+              <a:t>11/9/2015</a:t>
             </a:fld>
             <a:endParaRPr lang="en-US" dirty="0"/>
           </a:p>
@@ -3546,7 +3546,7 @@
           <a:p>
             <a:fld id="{834C18EA-D952-4AE1-A6E7-E6731635F9D2}" type="datetime1">
               <a:rPr lang="en-US" smtClean="0"/>
-              <a:t>11/8/2015</a:t>
+              <a:t>11/9/2015</a:t>
             </a:fld>
             <a:endParaRPr lang="en-US" dirty="0"/>
           </a:p>
@@ -3805,7 +3805,7 @@
           <a:p>
             <a:fld id="{13032A52-9E14-487A-A3FB-E00D36231CE7}" type="datetime1">
               <a:rPr lang="en-US" smtClean="0"/>
-              <a:t>11/8/2015</a:t>
+              <a:t>11/9/2015</a:t>
             </a:fld>
             <a:endParaRPr lang="en-US" dirty="0"/>
           </a:p>
@@ -4049,7 +4049,7 @@
           <a:p>
             <a:fld id="{8C5CA72F-91C6-447B-8CFD-10CC50FBFEAC}" type="datetime1">
               <a:rPr lang="en-US" smtClean="0"/>
-              <a:t>11/8/2015</a:t>
+              <a:t>11/9/2015</a:t>
             </a:fld>
             <a:endParaRPr lang="en-US" dirty="0"/>
           </a:p>
@@ -4435,7 +4435,7 @@
           <a:p>
             <a:fld id="{2CCBA931-94B6-4C88-A7AC-0B43FAFFEEC1}" type="datetime1">
               <a:rPr lang="en-US" smtClean="0"/>
-              <a:t>11/8/2015</a:t>
+              <a:t>11/9/2015</a:t>
             </a:fld>
             <a:endParaRPr lang="en-US" dirty="0"/>
           </a:p>
@@ -4570,7 +4570,7 @@
           <a:p>
             <a:fld id="{A17CC6B2-4719-4EFD-BB2D-A2C62F0625B7}" type="datetime1">
               <a:rPr lang="en-US" smtClean="0"/>
-              <a:t>11/8/2015</a:t>
+              <a:t>11/9/2015</a:t>
             </a:fld>
             <a:endParaRPr lang="en-US" dirty="0"/>
           </a:p>
@@ -4677,7 +4677,7 @@
           <a:p>
             <a:fld id="{9AC4E54B-2176-4BC1-BC54-F80551EDB034}" type="datetime1">
               <a:rPr lang="en-US" smtClean="0"/>
-              <a:t>11/8/2015</a:t>
+              <a:t>11/9/2015</a:t>
             </a:fld>
             <a:endParaRPr lang="en-US" dirty="0"/>
           </a:p>
@@ -4944,7 +4944,7 @@
           <a:p>
             <a:fld id="{F73BBE7C-717C-4AB2-A881-24835FA94B24}" type="datetime1">
               <a:rPr lang="en-US" smtClean="0"/>
-              <a:t>11/8/2015</a:t>
+              <a:t>11/9/2015</a:t>
             </a:fld>
             <a:endParaRPr lang="en-US" dirty="0"/>
           </a:p>
@@ -5219,7 +5219,7 @@
           <a:p>
             <a:fld id="{BD6C4C3D-17A3-49F5-8381-0500C8735BF2}" type="datetime1">
               <a:rPr lang="en-US" smtClean="0"/>
-              <a:t>11/8/2015</a:t>
+              <a:t>11/9/2015</a:t>
             </a:fld>
             <a:endParaRPr lang="en-US" dirty="0"/>
           </a:p>
@@ -5974,7 +5974,7 @@
           <a:p>
             <a:fld id="{1D480221-EA8F-4F92-87B7-59E96BBC3974}" type="datetime1">
               <a:rPr lang="en-US" smtClean="0"/>
-              <a:t>11/8/2015</a:t>
+              <a:t>11/9/2015</a:t>
             </a:fld>
             <a:endParaRPr lang="en-US" dirty="0"/>
           </a:p>
@@ -6678,7 +6678,7 @@
         </p:txBody>
       </p:sp>
       <mc:AlternateContent xmlns:mc="http://schemas.openxmlformats.org/markup-compatibility/2006">
-        <mc:Choice xmlns:we="http://schemas.microsoft.com/office/webextensions/webextension/2010/11" xmlns:pca="http://schemas.microsoft.com/office/powerpoint/2013/contentapp" Requires="we pca">
+        <mc:Choice xmlns:pca="http://schemas.microsoft.com/office/powerpoint/2013/contentapp" xmlns:we="http://schemas.microsoft.com/office/webextensions/webextension/2010/11" xmlns="" Requires="we pca">
           <p:graphicFrame>
             <p:nvGraphicFramePr>
               <p:cNvPr id="5" name="Content Placeholder 4" title="Code Presenter Pro"/>
@@ -6828,7 +6828,7 @@
         </p:txBody>
       </p:sp>
       <mc:AlternateContent xmlns:mc="http://schemas.openxmlformats.org/markup-compatibility/2006">
-        <mc:Choice xmlns:we="http://schemas.microsoft.com/office/webextensions/webextension/2010/11" xmlns:pca="http://schemas.microsoft.com/office/powerpoint/2013/contentapp" Requires="we pca">
+        <mc:Choice xmlns:pca="http://schemas.microsoft.com/office/powerpoint/2013/contentapp" xmlns:we="http://schemas.microsoft.com/office/webextensions/webextension/2010/11" xmlns="" Requires="we pca">
           <p:graphicFrame>
             <p:nvGraphicFramePr>
               <p:cNvPr id="5" name="Content Placeholder 4" title="Code Presenter Pro"/>
@@ -7415,11 +7415,7 @@
           <a:p>
             <a:r>
               <a:rPr lang="en-US" dirty="0" smtClean="0"/>
-              <a:t>package.json </a:t>
-            </a:r>
-            <a:r>
-              <a:rPr lang="en-US" dirty="0" smtClean="0"/>
-              <a:t>Schema Support</a:t>
+              <a:t>package.json Schema Support</a:t>
             </a:r>
             <a:endParaRPr lang="en-US" dirty="0"/>
           </a:p>
@@ -7861,7 +7857,7 @@
           <a:p>
             <a:r>
               <a:rPr lang="en-US" dirty="0" smtClean="0"/>
-              <a:t>IntelliSense</a:t>
+              <a:t>Library / Framework IntelliSense</a:t>
             </a:r>
             <a:endParaRPr lang="en-US" dirty="0"/>
           </a:p>
@@ -7903,11 +7899,7 @@
           <a:p>
             <a:r>
               <a:rPr lang="en-US" b="1" dirty="0" smtClean="0"/>
-              <a:t>Prerequisite</a:t>
-            </a:r>
-            <a:r>
-              <a:rPr lang="en-US" b="1" dirty="0" smtClean="0"/>
-              <a:t>:</a:t>
+              <a:t>Prerequisite:</a:t>
             </a:r>
             <a:r>
               <a:rPr lang="en-US" dirty="0" smtClean="0"/>
@@ -7944,14 +7936,7 @@
                 <a:latin typeface="Consolas" panose="020B0609020204030204" pitchFamily="49" charset="0"/>
                 <a:cs typeface="Consolas" panose="020B0609020204030204" pitchFamily="49" charset="0"/>
               </a:rPr>
-              <a:t>*.d.ts files provide metadata to </a:t>
-            </a:r>
-            <a:r>
-              <a:rPr lang="en-US" dirty="0" smtClean="0">
-                <a:latin typeface="Consolas" panose="020B0609020204030204" pitchFamily="49" charset="0"/>
-                <a:cs typeface="Consolas" panose="020B0609020204030204" pitchFamily="49" charset="0"/>
-              </a:rPr>
-              <a:t>editor</a:t>
+              <a:t>*.d.ts files provide metadata to editor</a:t>
             </a:r>
           </a:p>
           <a:p>
@@ -7963,10 +7948,6 @@
               </a:rPr>
               <a:t>angular.d.ts, jquery.d.ts, etc.</a:t>
             </a:r>
-            <a:endParaRPr lang="en-US" dirty="0" smtClean="0">
-              <a:latin typeface="Consolas" panose="020B0609020204030204" pitchFamily="49" charset="0"/>
-              <a:cs typeface="Consolas" panose="020B0609020204030204" pitchFamily="49" charset="0"/>
-            </a:endParaRPr>
           </a:p>
         </p:txBody>
       </p:sp>
@@ -8089,19 +8070,7 @@
           <a:p>
             <a:r>
               <a:rPr lang="en-US" dirty="0" smtClean="0"/>
-              <a:t>Enable IntelliSense </a:t>
-            </a:r>
-            <a:r>
-              <a:rPr lang="en-US" dirty="0" smtClean="0"/>
-              <a:t>via</a:t>
-            </a:r>
-            <a:r>
-              <a:rPr lang="en-US" dirty="0" smtClean="0"/>
-              <a:t> </a:t>
-            </a:r>
-            <a:r>
-              <a:rPr lang="en-US" dirty="0" smtClean="0"/>
-              <a:t>Command Shell</a:t>
+              <a:t>Enable IntelliSense via Command Shell</a:t>
             </a:r>
             <a:endParaRPr lang="en-US" dirty="0"/>
           </a:p>
@@ -8242,19 +8211,7 @@
           <a:p>
             <a:r>
               <a:rPr lang="en-US" dirty="0" smtClean="0"/>
-              <a:t>…or Enable IntelliSense </a:t>
-            </a:r>
-            <a:r>
-              <a:rPr lang="en-US" dirty="0" smtClean="0"/>
-              <a:t>via</a:t>
-            </a:r>
-            <a:r>
-              <a:rPr lang="en-US" dirty="0" smtClean="0"/>
-              <a:t> </a:t>
-            </a:r>
-            <a:r>
-              <a:rPr lang="en-US" dirty="0" smtClean="0"/>
-              <a:t>Editor</a:t>
+              <a:t>…or Enable IntelliSense via Editor</a:t>
             </a:r>
             <a:endParaRPr lang="en-US" dirty="0"/>
           </a:p>
@@ -10021,8 +9978,31 @@
           <a:p>
             <a:r>
               <a:rPr lang="en-US" dirty="0" smtClean="0"/>
-              <a:t>“isBuildCommand” property ties to Shift + Ctrl + B gesture:</a:t>
-            </a:r>
+              <a:t>“isBuildCommand” property ties to Shift + Ctrl + B </a:t>
+            </a:r>
+            <a:r>
+              <a:rPr lang="en-US" dirty="0" smtClean="0"/>
+              <a:t>gesture</a:t>
+            </a:r>
+          </a:p>
+          <a:p>
+            <a:r>
+              <a:rPr lang="en-US" dirty="0" smtClean="0"/>
+              <a:t>“</a:t>
+            </a:r>
+            <a:r>
+              <a:rPr lang="en-US" dirty="0" err="1" smtClean="0"/>
+              <a:t>isTestCommand</a:t>
+            </a:r>
+            <a:r>
+              <a:rPr lang="en-US" dirty="0" smtClean="0"/>
+              <a:t>” property ties to Shift + Ctrl + </a:t>
+            </a:r>
+            <a:r>
+              <a:rPr lang="en-US" smtClean="0"/>
+              <a:t>T gesture</a:t>
+            </a:r>
+            <a:endParaRPr lang="en-US" dirty="0" smtClean="0"/>
           </a:p>
           <a:p>
             <a:pPr lvl="1"/>
@@ -10133,7 +10113,7 @@
         </p:txBody>
       </p:sp>
       <mc:AlternateContent xmlns:mc="http://schemas.openxmlformats.org/markup-compatibility/2006">
-        <mc:Choice xmlns:we="http://schemas.microsoft.com/office/webextensions/webextension/2010/11" xmlns:pca="http://schemas.microsoft.com/office/powerpoint/2013/contentapp" Requires="we pca">
+        <mc:Choice xmlns:pca="http://schemas.microsoft.com/office/powerpoint/2013/contentapp" xmlns:we="http://schemas.microsoft.com/office/webextensions/webextension/2010/11" xmlns="" Requires="we pca">
           <p:graphicFrame>
             <p:nvGraphicFramePr>
               <p:cNvPr id="5" name="Content Placeholder 4" title="Code Presenter Pro"/>
@@ -10588,7 +10568,7 @@
         </p:txBody>
       </p:sp>
       <mc:AlternateContent xmlns:mc="http://schemas.openxmlformats.org/markup-compatibility/2006">
-        <mc:Choice xmlns:we="http://schemas.microsoft.com/office/webextensions/webextension/2010/11" xmlns:pca="http://schemas.microsoft.com/office/powerpoint/2013/contentapp" Requires="we pca">
+        <mc:Choice xmlns:pca="http://schemas.microsoft.com/office/powerpoint/2013/contentapp" xmlns:we="http://schemas.microsoft.com/office/webextensions/webextension/2010/11" xmlns="" Requires="we pca">
           <p:graphicFrame>
             <p:nvGraphicFramePr>
               <p:cNvPr id="2" name="Add-in 1" title="Code Presenter Pro"/>
@@ -12076,20 +12056,20 @@
           </a:p>
           <a:p>
             <a:r>
-              <a:rPr lang="en-US" sz="1400" dirty="0" smtClean="0"/>
+              <a:rPr lang="en-US" sz="1000" dirty="0" smtClean="0"/>
               <a:t>Quote </a:t>
             </a:r>
             <a:r>
-              <a:rPr lang="en-US" sz="1400" dirty="0"/>
+              <a:rPr lang="en-US" sz="1000" dirty="0"/>
               <a:t>retrieved from </a:t>
             </a:r>
             <a:r>
-              <a:rPr lang="en-US" sz="1400" dirty="0">
+              <a:rPr lang="en-US" sz="1000" dirty="0">
                 <a:hlinkClick r:id="rId2"/>
               </a:rPr>
               <a:t>http://tcrn.ch/1PwSw1r</a:t>
             </a:r>
-            <a:endParaRPr lang="en-US" sz="1400" dirty="0"/>
+            <a:endParaRPr lang="en-US" sz="1000" dirty="0"/>
           </a:p>
         </p:txBody>
       </p:sp>
@@ -13477,21 +13457,21 @@
                 <a:gridCol w="1976512">
                   <a:extLst>
                     <a:ext uri="{9D8B030D-6E8A-4147-A177-3AD203B41FA5}">
-                      <a16:colId xmlns:a16="http://schemas.microsoft.com/office/drawing/2014/main" val="20000"/>
+                      <a16:colId xmlns:a16="http://schemas.microsoft.com/office/drawing/2014/main" xmlns="" val="20000"/>
                     </a:ext>
                   </a:extLst>
                 </a:gridCol>
                 <a:gridCol w="4169093">
                   <a:extLst>
                     <a:ext uri="{9D8B030D-6E8A-4147-A177-3AD203B41FA5}">
-                      <a16:colId xmlns:a16="http://schemas.microsoft.com/office/drawing/2014/main" val="20001"/>
+                      <a16:colId xmlns:a16="http://schemas.microsoft.com/office/drawing/2014/main" xmlns="" val="20001"/>
                     </a:ext>
                   </a:extLst>
                 </a:gridCol>
                 <a:gridCol w="3434377">
                   <a:extLst>
                     <a:ext uri="{9D8B030D-6E8A-4147-A177-3AD203B41FA5}">
-                      <a16:colId xmlns:a16="http://schemas.microsoft.com/office/drawing/2014/main" val="20002"/>
+                      <a16:colId xmlns:a16="http://schemas.microsoft.com/office/drawing/2014/main" xmlns="" val="20002"/>
                     </a:ext>
                   </a:extLst>
                 </a:gridCol>
@@ -13541,7 +13521,7 @@
                 </a:tc>
                 <a:extLst>
                   <a:ext uri="{0D108BD9-81ED-4DB2-BD59-A6C34878D82A}">
-                    <a16:rowId xmlns:a16="http://schemas.microsoft.com/office/drawing/2014/main" val="10000"/>
+                    <a16:rowId xmlns:a16="http://schemas.microsoft.com/office/drawing/2014/main" xmlns="" val="10000"/>
                   </a:ext>
                 </a:extLst>
               </a:tr>
@@ -13590,7 +13570,7 @@
                 </a:tc>
                 <a:extLst>
                   <a:ext uri="{0D108BD9-81ED-4DB2-BD59-A6C34878D82A}">
-                    <a16:rowId xmlns:a16="http://schemas.microsoft.com/office/drawing/2014/main" val="10001"/>
+                    <a16:rowId xmlns:a16="http://schemas.microsoft.com/office/drawing/2014/main" xmlns="" val="10001"/>
                   </a:ext>
                 </a:extLst>
               </a:tr>
@@ -13643,7 +13623,7 @@
                 </a:tc>
                 <a:extLst>
                   <a:ext uri="{0D108BD9-81ED-4DB2-BD59-A6C34878D82A}">
-                    <a16:rowId xmlns:a16="http://schemas.microsoft.com/office/drawing/2014/main" val="10002"/>
+                    <a16:rowId xmlns:a16="http://schemas.microsoft.com/office/drawing/2014/main" xmlns="" val="10002"/>
                   </a:ext>
                 </a:extLst>
               </a:tr>
@@ -13704,7 +13684,7 @@
                 </a:tc>
                 <a:extLst>
                   <a:ext uri="{0D108BD9-81ED-4DB2-BD59-A6C34878D82A}">
-                    <a16:rowId xmlns:a16="http://schemas.microsoft.com/office/drawing/2014/main" val="10003"/>
+                    <a16:rowId xmlns:a16="http://schemas.microsoft.com/office/drawing/2014/main" xmlns="" val="10003"/>
                   </a:ext>
                 </a:extLst>
               </a:tr>
@@ -13757,7 +13737,7 @@
                 </a:tc>
                 <a:extLst>
                   <a:ext uri="{0D108BD9-81ED-4DB2-BD59-A6C34878D82A}">
-                    <a16:rowId xmlns:a16="http://schemas.microsoft.com/office/drawing/2014/main" val="10004"/>
+                    <a16:rowId xmlns:a16="http://schemas.microsoft.com/office/drawing/2014/main" xmlns="" val="10004"/>
                   </a:ext>
                 </a:extLst>
               </a:tr>
@@ -13838,7 +13818,7 @@
         </p:txBody>
       </p:sp>
       <mc:AlternateContent xmlns:mc="http://schemas.openxmlformats.org/markup-compatibility/2006">
-        <mc:Choice xmlns:we="http://schemas.microsoft.com/office/webextensions/webextension/2010/11" xmlns:pca="http://schemas.microsoft.com/office/powerpoint/2013/contentapp" Requires="we pca">
+        <mc:Choice xmlns:pca="http://schemas.microsoft.com/office/powerpoint/2013/contentapp" xmlns:we="http://schemas.microsoft.com/office/webextensions/webextension/2010/11" xmlns="" Requires="we pca">
           <p:graphicFrame>
             <p:nvGraphicFramePr>
               <p:cNvPr id="5" name="Content Placeholder 4" title="Code Presenter Pro"/>
@@ -13988,7 +13968,7 @@
         </p:txBody>
       </p:sp>
       <mc:AlternateContent xmlns:mc="http://schemas.openxmlformats.org/markup-compatibility/2006">
-        <mc:Choice xmlns:we="http://schemas.microsoft.com/office/webextensions/webextension/2010/11" xmlns:pca="http://schemas.microsoft.com/office/powerpoint/2013/contentapp" Requires="we pca">
+        <mc:Choice xmlns:pca="http://schemas.microsoft.com/office/powerpoint/2013/contentapp" xmlns:we="http://schemas.microsoft.com/office/webextensions/webextension/2010/11" xmlns="" Requires="we pca">
           <p:graphicFrame>
             <p:nvGraphicFramePr>
               <p:cNvPr id="5" name="Content Placeholder 4" title="Code Presenter Pro"/>
@@ -14348,7 +14328,7 @@
   <a:extraClrSchemeLst/>
   <a:extLst>
     <a:ext uri="{05A4C25C-085E-4340-85A3-A5531E510DB2}">
-      <thm15:themeFamily xmlns:thm15="http://schemas.microsoft.com/office/thememl/2012/main" name="Facet" id="{C0C680CD-088A-49FC-A102-D699147F32B2}" vid="{CFBC31BA-B70F-4F30-BCAA-4F3011E16C4D}"/>
+      <thm15:themeFamily xmlns:thm15="http://schemas.microsoft.com/office/thememl/2012/main" xmlns="" name="Facet" id="{C0C680CD-088A-49FC-A102-D699147F32B2}" vid="{CFBC31BA-B70F-4F30-BCAA-4F3011E16C4D}"/>
     </a:ext>
   </a:extLst>
 </a:theme>
@@ -14609,7 +14589,7 @@
   <a:extraClrSchemeLst/>
   <a:extLst>
     <a:ext uri="{05A4C25C-085E-4340-85A3-A5531E510DB2}">
-      <thm15:themeFamily xmlns:thm15="http://schemas.microsoft.com/office/thememl/2012/main" name="Office Theme" id="{62F939B6-93AF-4DB8-9C6B-D6C7DFDC589F}" vid="{4A3C46E8-61CC-4603-A589-7422A47A8E4A}"/>
+      <thm15:themeFamily xmlns:thm15="http://schemas.microsoft.com/office/thememl/2012/main" xmlns="" name="Office Theme" id="{62F939B6-93AF-4DB8-9C6B-D6C7DFDC589F}" vid="{4A3C46E8-61CC-4603-A589-7422A47A8E4A}"/>
     </a:ext>
   </a:extLst>
 </a:theme>
